--- a/assembler/docs/abruijn/presentation.pptx
+++ b/assembler/docs/abruijn/presentation.pptx
@@ -4,6 +4,9 @@
   <p:sldMasterIdLst>
     <p:sldMasterId id="2147483648" r:id="rId1"/>
   </p:sldMasterIdLst>
+  <p:notesMasterIdLst>
+    <p:notesMasterId r:id="rId18"/>
+  </p:notesMasterIdLst>
   <p:sldIdLst>
     <p:sldId id="256" r:id="rId2"/>
     <p:sldId id="257" r:id="rId3"/>
@@ -19,7 +22,8 @@
     <p:sldId id="267" r:id="rId13"/>
     <p:sldId id="268" r:id="rId14"/>
     <p:sldId id="269" r:id="rId15"/>
-    <p:sldId id="270" r:id="rId16"/>
+    <p:sldId id="271" r:id="rId16"/>
+    <p:sldId id="270" r:id="rId17"/>
   </p:sldIdLst>
   <p:sldSz cx="9144000" cy="6858000" type="screen4x3"/>
   <p:notesSz cx="6858000" cy="9144000"/>
@@ -121,6 +125,434 @@
 </p:presentation>
 </file>
 
+<file path=ppt/notesMasters/notesMaster1.xml><?xml version="1.0" encoding="utf-8"?>
+<p:notesMaster xmlns:a="http://schemas.openxmlformats.org/drawingml/2006/main" xmlns:r="http://schemas.openxmlformats.org/officeDocument/2006/relationships" xmlns:p="http://schemas.openxmlformats.org/presentationml/2006/main">
+  <p:cSld>
+    <p:bg>
+      <p:bgRef idx="1001">
+        <a:schemeClr val="bg1"/>
+      </p:bgRef>
+    </p:bg>
+    <p:spTree>
+      <p:nvGrpSpPr>
+        <p:cNvPr id="1" name=""/>
+        <p:cNvGrpSpPr/>
+        <p:nvPr/>
+      </p:nvGrpSpPr>
+      <p:grpSpPr>
+        <a:xfrm>
+          <a:off x="0" y="0"/>
+          <a:ext cx="0" cy="0"/>
+          <a:chOff x="0" y="0"/>
+          <a:chExt cx="0" cy="0"/>
+        </a:xfrm>
+      </p:grpSpPr>
+      <p:sp>
+        <p:nvSpPr>
+          <p:cNvPr id="2" name="Верхний колонтитул 1"/>
+          <p:cNvSpPr>
+            <a:spLocks noGrp="1"/>
+          </p:cNvSpPr>
+          <p:nvPr>
+            <p:ph type="hdr" sz="quarter"/>
+          </p:nvPr>
+        </p:nvSpPr>
+        <p:spPr>
+          <a:xfrm>
+            <a:off x="0" y="0"/>
+            <a:ext cx="2971800" cy="457200"/>
+          </a:xfrm>
+          <a:prstGeom prst="rect">
+            <a:avLst/>
+          </a:prstGeom>
+        </p:spPr>
+        <p:txBody>
+          <a:bodyPr vert="horz" lIns="91440" tIns="45720" rIns="91440" bIns="45720" rtlCol="0"/>
+          <a:lstStyle>
+            <a:lvl1pPr algn="l">
+              <a:defRPr sz="1200"/>
+            </a:lvl1pPr>
+          </a:lstStyle>
+          <a:p>
+            <a:endParaRPr lang="ru-RU"/>
+          </a:p>
+        </p:txBody>
+      </p:sp>
+      <p:sp>
+        <p:nvSpPr>
+          <p:cNvPr id="3" name="Дата 2"/>
+          <p:cNvSpPr>
+            <a:spLocks noGrp="1"/>
+          </p:cNvSpPr>
+          <p:nvPr>
+            <p:ph type="dt" idx="1"/>
+          </p:nvPr>
+        </p:nvSpPr>
+        <p:spPr>
+          <a:xfrm>
+            <a:off x="3884613" y="0"/>
+            <a:ext cx="2971800" cy="457200"/>
+          </a:xfrm>
+          <a:prstGeom prst="rect">
+            <a:avLst/>
+          </a:prstGeom>
+        </p:spPr>
+        <p:txBody>
+          <a:bodyPr vert="horz" lIns="91440" tIns="45720" rIns="91440" bIns="45720" rtlCol="0"/>
+          <a:lstStyle>
+            <a:lvl1pPr algn="r">
+              <a:defRPr sz="1200"/>
+            </a:lvl1pPr>
+          </a:lstStyle>
+          <a:p>
+            <a:fld id="{284B98D8-C79C-4B4D-ACAF-F89EB508FB2E}" type="datetimeFigureOut">
+              <a:rPr lang="ru-RU" smtClean="0"/>
+              <a:t>26.10.2011</a:t>
+            </a:fld>
+            <a:endParaRPr lang="ru-RU"/>
+          </a:p>
+        </p:txBody>
+      </p:sp>
+      <p:sp>
+        <p:nvSpPr>
+          <p:cNvPr id="4" name="Образ слайда 3"/>
+          <p:cNvSpPr>
+            <a:spLocks noGrp="1" noRot="1" noChangeAspect="1"/>
+          </p:cNvSpPr>
+          <p:nvPr>
+            <p:ph type="sldImg" idx="2"/>
+          </p:nvPr>
+        </p:nvSpPr>
+        <p:spPr>
+          <a:xfrm>
+            <a:off x="1143000" y="685800"/>
+            <a:ext cx="4572000" cy="3429000"/>
+          </a:xfrm>
+          <a:prstGeom prst="rect">
+            <a:avLst/>
+          </a:prstGeom>
+          <a:noFill/>
+          <a:ln w="12700">
+            <a:solidFill>
+              <a:prstClr val="black"/>
+            </a:solidFill>
+          </a:ln>
+        </p:spPr>
+        <p:txBody>
+          <a:bodyPr vert="horz" lIns="91440" tIns="45720" rIns="91440" bIns="45720" rtlCol="0" anchor="ctr"/>
+          <a:lstStyle/>
+          <a:p>
+            <a:endParaRPr lang="ru-RU"/>
+          </a:p>
+        </p:txBody>
+      </p:sp>
+      <p:sp>
+        <p:nvSpPr>
+          <p:cNvPr id="5" name="Заметки 4"/>
+          <p:cNvSpPr>
+            <a:spLocks noGrp="1"/>
+          </p:cNvSpPr>
+          <p:nvPr>
+            <p:ph type="body" sz="quarter" idx="3"/>
+          </p:nvPr>
+        </p:nvSpPr>
+        <p:spPr>
+          <a:xfrm>
+            <a:off x="685800" y="4343400"/>
+            <a:ext cx="5486400" cy="4114800"/>
+          </a:xfrm>
+          <a:prstGeom prst="rect">
+            <a:avLst/>
+          </a:prstGeom>
+        </p:spPr>
+        <p:txBody>
+          <a:bodyPr vert="horz" lIns="91440" tIns="45720" rIns="91440" bIns="45720" rtlCol="0">
+            <a:normAutofit/>
+          </a:bodyPr>
+          <a:lstStyle/>
+          <a:p>
+            <a:pPr lvl="0"/>
+            <a:r>
+              <a:rPr lang="ru-RU" smtClean="0"/>
+              <a:t>Образец текста</a:t>
+            </a:r>
+          </a:p>
+          <a:p>
+            <a:pPr lvl="1"/>
+            <a:r>
+              <a:rPr lang="ru-RU" smtClean="0"/>
+              <a:t>Второй уровень</a:t>
+            </a:r>
+          </a:p>
+          <a:p>
+            <a:pPr lvl="2"/>
+            <a:r>
+              <a:rPr lang="ru-RU" smtClean="0"/>
+              <a:t>Третий уровень</a:t>
+            </a:r>
+          </a:p>
+          <a:p>
+            <a:pPr lvl="3"/>
+            <a:r>
+              <a:rPr lang="ru-RU" smtClean="0"/>
+              <a:t>Четвертый уровень</a:t>
+            </a:r>
+          </a:p>
+          <a:p>
+            <a:pPr lvl="4"/>
+            <a:r>
+              <a:rPr lang="ru-RU" smtClean="0"/>
+              <a:t>Пятый уровень</a:t>
+            </a:r>
+            <a:endParaRPr lang="ru-RU"/>
+          </a:p>
+        </p:txBody>
+      </p:sp>
+      <p:sp>
+        <p:nvSpPr>
+          <p:cNvPr id="6" name="Нижний колонтитул 5"/>
+          <p:cNvSpPr>
+            <a:spLocks noGrp="1"/>
+          </p:cNvSpPr>
+          <p:nvPr>
+            <p:ph type="ftr" sz="quarter" idx="4"/>
+          </p:nvPr>
+        </p:nvSpPr>
+        <p:spPr>
+          <a:xfrm>
+            <a:off x="0" y="8685213"/>
+            <a:ext cx="2971800" cy="457200"/>
+          </a:xfrm>
+          <a:prstGeom prst="rect">
+            <a:avLst/>
+          </a:prstGeom>
+        </p:spPr>
+        <p:txBody>
+          <a:bodyPr vert="horz" lIns="91440" tIns="45720" rIns="91440" bIns="45720" rtlCol="0" anchor="b"/>
+          <a:lstStyle>
+            <a:lvl1pPr algn="l">
+              <a:defRPr sz="1200"/>
+            </a:lvl1pPr>
+          </a:lstStyle>
+          <a:p>
+            <a:endParaRPr lang="ru-RU"/>
+          </a:p>
+        </p:txBody>
+      </p:sp>
+      <p:sp>
+        <p:nvSpPr>
+          <p:cNvPr id="7" name="Номер слайда 6"/>
+          <p:cNvSpPr>
+            <a:spLocks noGrp="1"/>
+          </p:cNvSpPr>
+          <p:nvPr>
+            <p:ph type="sldNum" sz="quarter" idx="5"/>
+          </p:nvPr>
+        </p:nvSpPr>
+        <p:spPr>
+          <a:xfrm>
+            <a:off x="3884613" y="8685213"/>
+            <a:ext cx="2971800" cy="457200"/>
+          </a:xfrm>
+          <a:prstGeom prst="rect">
+            <a:avLst/>
+          </a:prstGeom>
+        </p:spPr>
+        <p:txBody>
+          <a:bodyPr vert="horz" lIns="91440" tIns="45720" rIns="91440" bIns="45720" rtlCol="0" anchor="b"/>
+          <a:lstStyle>
+            <a:lvl1pPr algn="r">
+              <a:defRPr sz="1200"/>
+            </a:lvl1pPr>
+          </a:lstStyle>
+          <a:p>
+            <a:fld id="{E858A2BC-9C54-4EF9-9159-6C08DE493695}" type="slidenum">
+              <a:rPr lang="ru-RU" smtClean="0"/>
+              <a:t>‹#›</a:t>
+            </a:fld>
+            <a:endParaRPr lang="ru-RU"/>
+          </a:p>
+        </p:txBody>
+      </p:sp>
+    </p:spTree>
+  </p:cSld>
+  <p:clrMap bg1="lt1" tx1="dk1" bg2="lt2" tx2="dk2" accent1="accent1" accent2="accent2" accent3="accent3" accent4="accent4" accent5="accent5" accent6="accent6" hlink="hlink" folHlink="folHlink"/>
+  <p:notesStyle>
+    <a:lvl1pPr marL="0" algn="l" defTabSz="914400" rtl="0" eaLnBrk="1" latinLnBrk="0" hangingPunct="1">
+      <a:defRPr sz="1200" kern="1200">
+        <a:solidFill>
+          <a:schemeClr val="tx1"/>
+        </a:solidFill>
+        <a:latin typeface="+mn-lt"/>
+        <a:ea typeface="+mn-ea"/>
+        <a:cs typeface="+mn-cs"/>
+      </a:defRPr>
+    </a:lvl1pPr>
+    <a:lvl2pPr marL="457200" algn="l" defTabSz="914400" rtl="0" eaLnBrk="1" latinLnBrk="0" hangingPunct="1">
+      <a:defRPr sz="1200" kern="1200">
+        <a:solidFill>
+          <a:schemeClr val="tx1"/>
+        </a:solidFill>
+        <a:latin typeface="+mn-lt"/>
+        <a:ea typeface="+mn-ea"/>
+        <a:cs typeface="+mn-cs"/>
+      </a:defRPr>
+    </a:lvl2pPr>
+    <a:lvl3pPr marL="914400" algn="l" defTabSz="914400" rtl="0" eaLnBrk="1" latinLnBrk="0" hangingPunct="1">
+      <a:defRPr sz="1200" kern="1200">
+        <a:solidFill>
+          <a:schemeClr val="tx1"/>
+        </a:solidFill>
+        <a:latin typeface="+mn-lt"/>
+        <a:ea typeface="+mn-ea"/>
+        <a:cs typeface="+mn-cs"/>
+      </a:defRPr>
+    </a:lvl3pPr>
+    <a:lvl4pPr marL="1371600" algn="l" defTabSz="914400" rtl="0" eaLnBrk="1" latinLnBrk="0" hangingPunct="1">
+      <a:defRPr sz="1200" kern="1200">
+        <a:solidFill>
+          <a:schemeClr val="tx1"/>
+        </a:solidFill>
+        <a:latin typeface="+mn-lt"/>
+        <a:ea typeface="+mn-ea"/>
+        <a:cs typeface="+mn-cs"/>
+      </a:defRPr>
+    </a:lvl4pPr>
+    <a:lvl5pPr marL="1828800" algn="l" defTabSz="914400" rtl="0" eaLnBrk="1" latinLnBrk="0" hangingPunct="1">
+      <a:defRPr sz="1200" kern="1200">
+        <a:solidFill>
+          <a:schemeClr val="tx1"/>
+        </a:solidFill>
+        <a:latin typeface="+mn-lt"/>
+        <a:ea typeface="+mn-ea"/>
+        <a:cs typeface="+mn-cs"/>
+      </a:defRPr>
+    </a:lvl5pPr>
+    <a:lvl6pPr marL="2286000" algn="l" defTabSz="914400" rtl="0" eaLnBrk="1" latinLnBrk="0" hangingPunct="1">
+      <a:defRPr sz="1200" kern="1200">
+        <a:solidFill>
+          <a:schemeClr val="tx1"/>
+        </a:solidFill>
+        <a:latin typeface="+mn-lt"/>
+        <a:ea typeface="+mn-ea"/>
+        <a:cs typeface="+mn-cs"/>
+      </a:defRPr>
+    </a:lvl6pPr>
+    <a:lvl7pPr marL="2743200" algn="l" defTabSz="914400" rtl="0" eaLnBrk="1" latinLnBrk="0" hangingPunct="1">
+      <a:defRPr sz="1200" kern="1200">
+        <a:solidFill>
+          <a:schemeClr val="tx1"/>
+        </a:solidFill>
+        <a:latin typeface="+mn-lt"/>
+        <a:ea typeface="+mn-ea"/>
+        <a:cs typeface="+mn-cs"/>
+      </a:defRPr>
+    </a:lvl7pPr>
+    <a:lvl8pPr marL="3200400" algn="l" defTabSz="914400" rtl="0" eaLnBrk="1" latinLnBrk="0" hangingPunct="1">
+      <a:defRPr sz="1200" kern="1200">
+        <a:solidFill>
+          <a:schemeClr val="tx1"/>
+        </a:solidFill>
+        <a:latin typeface="+mn-lt"/>
+        <a:ea typeface="+mn-ea"/>
+        <a:cs typeface="+mn-cs"/>
+      </a:defRPr>
+    </a:lvl8pPr>
+    <a:lvl9pPr marL="3657600" algn="l" defTabSz="914400" rtl="0" eaLnBrk="1" latinLnBrk="0" hangingPunct="1">
+      <a:defRPr sz="1200" kern="1200">
+        <a:solidFill>
+          <a:schemeClr val="tx1"/>
+        </a:solidFill>
+        <a:latin typeface="+mn-lt"/>
+        <a:ea typeface="+mn-ea"/>
+        <a:cs typeface="+mn-cs"/>
+      </a:defRPr>
+    </a:lvl9pPr>
+  </p:notesStyle>
+</p:notesMaster>
+</file>
+
+<file path=ppt/notesSlides/notesSlide1.xml><?xml version="1.0" encoding="utf-8"?>
+<p:notes xmlns:a="http://schemas.openxmlformats.org/drawingml/2006/main" xmlns:r="http://schemas.openxmlformats.org/officeDocument/2006/relationships" xmlns:p="http://schemas.openxmlformats.org/presentationml/2006/main">
+  <p:cSld>
+    <p:spTree>
+      <p:nvGrpSpPr>
+        <p:cNvPr id="1" name=""/>
+        <p:cNvGrpSpPr/>
+        <p:nvPr/>
+      </p:nvGrpSpPr>
+      <p:grpSpPr>
+        <a:xfrm>
+          <a:off x="0" y="0"/>
+          <a:ext cx="0" cy="0"/>
+          <a:chOff x="0" y="0"/>
+          <a:chExt cx="0" cy="0"/>
+        </a:xfrm>
+      </p:grpSpPr>
+      <p:sp>
+        <p:nvSpPr>
+          <p:cNvPr id="2" name="Образ слайда 1"/>
+          <p:cNvSpPr>
+            <a:spLocks noGrp="1" noRot="1" noChangeAspect="1"/>
+          </p:cNvSpPr>
+          <p:nvPr>
+            <p:ph type="sldImg"/>
+          </p:nvPr>
+        </p:nvSpPr>
+        <p:spPr/>
+      </p:sp>
+      <p:sp>
+        <p:nvSpPr>
+          <p:cNvPr id="3" name="Заметки 2"/>
+          <p:cNvSpPr>
+            <a:spLocks noGrp="1"/>
+          </p:cNvSpPr>
+          <p:nvPr>
+            <p:ph type="body" idx="1"/>
+          </p:nvPr>
+        </p:nvSpPr>
+        <p:spPr/>
+        <p:txBody>
+          <a:bodyPr>
+            <a:normAutofit/>
+          </a:bodyPr>
+          <a:lstStyle/>
+          <a:p>
+            <a:endParaRPr lang="ru-RU" dirty="0"/>
+          </a:p>
+        </p:txBody>
+      </p:sp>
+      <p:sp>
+        <p:nvSpPr>
+          <p:cNvPr id="4" name="Номер слайда 3"/>
+          <p:cNvSpPr>
+            <a:spLocks noGrp="1"/>
+          </p:cNvSpPr>
+          <p:nvPr>
+            <p:ph type="sldNum" sz="quarter" idx="10"/>
+          </p:nvPr>
+        </p:nvSpPr>
+        <p:spPr/>
+        <p:txBody>
+          <a:bodyPr/>
+          <a:lstStyle/>
+          <a:p>
+            <a:fld id="{E858A2BC-9C54-4EF9-9159-6C08DE493695}" type="slidenum">
+              <a:rPr lang="ru-RU" smtClean="0"/>
+              <a:t>2</a:t>
+            </a:fld>
+            <a:endParaRPr lang="ru-RU"/>
+          </a:p>
+        </p:txBody>
+      </p:sp>
+    </p:spTree>
+  </p:cSld>
+  <p:clrMapOvr>
+    <a:masterClrMapping/>
+  </p:clrMapOvr>
+</p:notes>
+</file>
+
 <file path=ppt/slideLayouts/slideLayout1.xml><?xml version="1.0" encoding="utf-8"?>
 <p:sldLayout xmlns:a="http://schemas.openxmlformats.org/drawingml/2006/main" xmlns:r="http://schemas.openxmlformats.org/officeDocument/2006/relationships" xmlns:p="http://schemas.openxmlformats.org/presentationml/2006/main" type="title" preserve="1">
   <p:cSld name="Титульный слайд">
@@ -302,6 +734,7 @@
           <a:p>
             <a:fld id="{0563D008-AB0E-4783-9166-0BE71FE267ED}" type="datetimeFigureOut">
               <a:rPr lang="ru-RU" smtClean="0"/>
+              <a:pPr/>
               <a:t>26.10.2011</a:t>
             </a:fld>
             <a:endParaRPr lang="ru-RU"/>
@@ -344,6 +777,7 @@
           <a:p>
             <a:fld id="{52B9C753-7F1C-4C8C-BFE2-BF17DCDA4925}" type="slidenum">
               <a:rPr lang="ru-RU" smtClean="0"/>
+              <a:pPr/>
               <a:t>‹#›</a:t>
             </a:fld>
             <a:endParaRPr lang="ru-RU"/>
@@ -467,6 +901,7 @@
           <a:p>
             <a:fld id="{0563D008-AB0E-4783-9166-0BE71FE267ED}" type="datetimeFigureOut">
               <a:rPr lang="ru-RU" smtClean="0"/>
+              <a:pPr/>
               <a:t>26.10.2011</a:t>
             </a:fld>
             <a:endParaRPr lang="ru-RU"/>
@@ -509,6 +944,7 @@
           <a:p>
             <a:fld id="{52B9C753-7F1C-4C8C-BFE2-BF17DCDA4925}" type="slidenum">
               <a:rPr lang="ru-RU" smtClean="0"/>
+              <a:pPr/>
               <a:t>‹#›</a:t>
             </a:fld>
             <a:endParaRPr lang="ru-RU"/>
@@ -642,6 +1078,7 @@
           <a:p>
             <a:fld id="{0563D008-AB0E-4783-9166-0BE71FE267ED}" type="datetimeFigureOut">
               <a:rPr lang="ru-RU" smtClean="0"/>
+              <a:pPr/>
               <a:t>26.10.2011</a:t>
             </a:fld>
             <a:endParaRPr lang="ru-RU"/>
@@ -684,6 +1121,7 @@
           <a:p>
             <a:fld id="{52B9C753-7F1C-4C8C-BFE2-BF17DCDA4925}" type="slidenum">
               <a:rPr lang="ru-RU" smtClean="0"/>
+              <a:pPr/>
               <a:t>‹#›</a:t>
             </a:fld>
             <a:endParaRPr lang="ru-RU"/>
@@ -807,6 +1245,7 @@
           <a:p>
             <a:fld id="{0563D008-AB0E-4783-9166-0BE71FE267ED}" type="datetimeFigureOut">
               <a:rPr lang="ru-RU" smtClean="0"/>
+              <a:pPr/>
               <a:t>26.10.2011</a:t>
             </a:fld>
             <a:endParaRPr lang="ru-RU"/>
@@ -849,6 +1288,7 @@
           <a:p>
             <a:fld id="{52B9C753-7F1C-4C8C-BFE2-BF17DCDA4925}" type="slidenum">
               <a:rPr lang="ru-RU" smtClean="0"/>
+              <a:pPr/>
               <a:t>‹#›</a:t>
             </a:fld>
             <a:endParaRPr lang="ru-RU"/>
@@ -1048,6 +1488,7 @@
           <a:p>
             <a:fld id="{0563D008-AB0E-4783-9166-0BE71FE267ED}" type="datetimeFigureOut">
               <a:rPr lang="ru-RU" smtClean="0"/>
+              <a:pPr/>
               <a:t>26.10.2011</a:t>
             </a:fld>
             <a:endParaRPr lang="ru-RU"/>
@@ -1090,6 +1531,7 @@
           <a:p>
             <a:fld id="{52B9C753-7F1C-4C8C-BFE2-BF17DCDA4925}" type="slidenum">
               <a:rPr lang="ru-RU" smtClean="0"/>
+              <a:pPr/>
               <a:t>‹#›</a:t>
             </a:fld>
             <a:endParaRPr lang="ru-RU"/>
@@ -1331,6 +1773,7 @@
           <a:p>
             <a:fld id="{0563D008-AB0E-4783-9166-0BE71FE267ED}" type="datetimeFigureOut">
               <a:rPr lang="ru-RU" smtClean="0"/>
+              <a:pPr/>
               <a:t>26.10.2011</a:t>
             </a:fld>
             <a:endParaRPr lang="ru-RU"/>
@@ -1373,6 +1816,7 @@
           <a:p>
             <a:fld id="{52B9C753-7F1C-4C8C-BFE2-BF17DCDA4925}" type="slidenum">
               <a:rPr lang="ru-RU" smtClean="0"/>
+              <a:pPr/>
               <a:t>‹#›</a:t>
             </a:fld>
             <a:endParaRPr lang="ru-RU"/>
@@ -1748,6 +2192,7 @@
           <a:p>
             <a:fld id="{0563D008-AB0E-4783-9166-0BE71FE267ED}" type="datetimeFigureOut">
               <a:rPr lang="ru-RU" smtClean="0"/>
+              <a:pPr/>
               <a:t>26.10.2011</a:t>
             </a:fld>
             <a:endParaRPr lang="ru-RU"/>
@@ -1790,6 +2235,7 @@
           <a:p>
             <a:fld id="{52B9C753-7F1C-4C8C-BFE2-BF17DCDA4925}" type="slidenum">
               <a:rPr lang="ru-RU" smtClean="0"/>
+              <a:pPr/>
               <a:t>‹#›</a:t>
             </a:fld>
             <a:endParaRPr lang="ru-RU"/>
@@ -1861,6 +2307,7 @@
           <a:p>
             <a:fld id="{0563D008-AB0E-4783-9166-0BE71FE267ED}" type="datetimeFigureOut">
               <a:rPr lang="ru-RU" smtClean="0"/>
+              <a:pPr/>
               <a:t>26.10.2011</a:t>
             </a:fld>
             <a:endParaRPr lang="ru-RU"/>
@@ -1903,6 +2350,7 @@
           <a:p>
             <a:fld id="{52B9C753-7F1C-4C8C-BFE2-BF17DCDA4925}" type="slidenum">
               <a:rPr lang="ru-RU" smtClean="0"/>
+              <a:pPr/>
               <a:t>‹#›</a:t>
             </a:fld>
             <a:endParaRPr lang="ru-RU"/>
@@ -1951,6 +2399,7 @@
           <a:p>
             <a:fld id="{0563D008-AB0E-4783-9166-0BE71FE267ED}" type="datetimeFigureOut">
               <a:rPr lang="ru-RU" smtClean="0"/>
+              <a:pPr/>
               <a:t>26.10.2011</a:t>
             </a:fld>
             <a:endParaRPr lang="ru-RU"/>
@@ -1993,6 +2442,7 @@
           <a:p>
             <a:fld id="{52B9C753-7F1C-4C8C-BFE2-BF17DCDA4925}" type="slidenum">
               <a:rPr lang="ru-RU" smtClean="0"/>
+              <a:pPr/>
               <a:t>‹#›</a:t>
             </a:fld>
             <a:endParaRPr lang="ru-RU"/>
@@ -2223,6 +2673,7 @@
           <a:p>
             <a:fld id="{0563D008-AB0E-4783-9166-0BE71FE267ED}" type="datetimeFigureOut">
               <a:rPr lang="ru-RU" smtClean="0"/>
+              <a:pPr/>
               <a:t>26.10.2011</a:t>
             </a:fld>
             <a:endParaRPr lang="ru-RU"/>
@@ -2265,6 +2716,7 @@
           <a:p>
             <a:fld id="{52B9C753-7F1C-4C8C-BFE2-BF17DCDA4925}" type="slidenum">
               <a:rPr lang="ru-RU" smtClean="0"/>
+              <a:pPr/>
               <a:t>‹#›</a:t>
             </a:fld>
             <a:endParaRPr lang="ru-RU"/>
@@ -2471,6 +2923,7 @@
           <a:p>
             <a:fld id="{0563D008-AB0E-4783-9166-0BE71FE267ED}" type="datetimeFigureOut">
               <a:rPr lang="ru-RU" smtClean="0"/>
+              <a:pPr/>
               <a:t>26.10.2011</a:t>
             </a:fld>
             <a:endParaRPr lang="ru-RU"/>
@@ -2513,6 +2966,7 @@
           <a:p>
             <a:fld id="{52B9C753-7F1C-4C8C-BFE2-BF17DCDA4925}" type="slidenum">
               <a:rPr lang="ru-RU" smtClean="0"/>
+              <a:pPr/>
               <a:t>‹#›</a:t>
             </a:fld>
             <a:endParaRPr lang="ru-RU"/>
@@ -2679,6 +3133,7 @@
           <a:p>
             <a:fld id="{0563D008-AB0E-4783-9166-0BE71FE267ED}" type="datetimeFigureOut">
               <a:rPr lang="ru-RU" smtClean="0"/>
+              <a:pPr/>
               <a:t>26.10.2011</a:t>
             </a:fld>
             <a:endParaRPr lang="ru-RU"/>
@@ -2757,6 +3212,7 @@
           <a:p>
             <a:fld id="{52B9C753-7F1C-4C8C-BFE2-BF17DCDA4925}" type="slidenum">
               <a:rPr lang="ru-RU" smtClean="0"/>
+              <a:pPr/>
               <a:t>‹#›</a:t>
             </a:fld>
             <a:endParaRPr lang="ru-RU"/>
@@ -3102,7 +3558,7 @@
         <p:spPr>
           <a:xfrm>
             <a:off x="1371600" y="2708920"/>
-            <a:ext cx="6400800" cy="3240360"/>
+            <a:ext cx="6400800" cy="3672408"/>
           </a:xfrm>
         </p:spPr>
         <p:txBody>
@@ -3142,6 +3598,53 @@
                 </a:solidFill>
               </a:rPr>
               <a:t>Kulikov</a:t>
+            </a:r>
+            <a:r>
+              <a:rPr lang="en-US" dirty="0" smtClean="0">
+                <a:solidFill>
+                  <a:schemeClr val="tx1"/>
+                </a:solidFill>
+              </a:rPr>
+              <a:t>,</a:t>
+            </a:r>
+            <a:br>
+              <a:rPr lang="en-US" dirty="0" smtClean="0">
+                <a:solidFill>
+                  <a:schemeClr val="tx1"/>
+                </a:solidFill>
+              </a:rPr>
+            </a:br>
+            <a:r>
+              <a:rPr lang="en-US" dirty="0" smtClean="0">
+                <a:solidFill>
+                  <a:schemeClr val="tx1"/>
+                </a:solidFill>
+              </a:rPr>
+              <a:t>Max Alekseev, </a:t>
+            </a:r>
+            <a:r>
+              <a:rPr lang="en-US" dirty="0" err="1" smtClean="0">
+                <a:solidFill>
+                  <a:schemeClr val="tx1"/>
+                </a:solidFill>
+              </a:rPr>
+              <a:t>Pavel</a:t>
+            </a:r>
+            <a:r>
+              <a:rPr lang="en-US" dirty="0" smtClean="0">
+                <a:solidFill>
+                  <a:schemeClr val="tx1"/>
+                </a:solidFill>
+              </a:rPr>
+              <a:t> </a:t>
+            </a:r>
+            <a:r>
+              <a:rPr lang="en-US" dirty="0" err="1" smtClean="0">
+                <a:solidFill>
+                  <a:schemeClr val="tx1"/>
+                </a:solidFill>
+              </a:rPr>
+              <a:t>Pevzner</a:t>
             </a:r>
             <a:endParaRPr lang="en-US" dirty="0" smtClean="0">
               <a:solidFill>
@@ -3324,7 +3827,15 @@
             <a:pPr lvl="1"/>
             <a:r>
               <a:rPr lang="en-US" dirty="0" smtClean="0"/>
-              <a:t>find all earmarked k-</a:t>
+              <a:t>find all earmarked </a:t>
+            </a:r>
+            <a:r>
+              <a:rPr lang="en-US" i="1" dirty="0" smtClean="0"/>
+              <a:t>k</a:t>
+            </a:r>
+            <a:r>
+              <a:rPr lang="en-US" dirty="0" smtClean="0"/>
+              <a:t>-</a:t>
             </a:r>
             <a:r>
               <a:rPr lang="en-US" dirty="0" err="1" smtClean="0"/>
@@ -3334,7 +3845,6 @@
               <a:rPr lang="en-US" dirty="0" smtClean="0"/>
               <a:t> in the read</a:t>
             </a:r>
-            <a:endParaRPr lang="en-US" dirty="0" smtClean="0"/>
           </a:p>
           <a:p>
             <a:pPr lvl="1"/>
@@ -3347,11 +3857,7 @@
             <a:pPr lvl="1"/>
             <a:r>
               <a:rPr lang="en-US" dirty="0" smtClean="0"/>
-              <a:t>mark all but last as </a:t>
-            </a:r>
-            <a:r>
-              <a:rPr lang="en-US" dirty="0" smtClean="0"/>
-              <a:t>“having-right-neighbor”</a:t>
+              <a:t>mark all but last as “having-right-neighbor”</a:t>
             </a:r>
           </a:p>
           <a:p>
@@ -3483,7 +3989,15 @@
           <a:p>
             <a:r>
               <a:rPr lang="en-US" dirty="0" smtClean="0"/>
-              <a:t>Process all the reads that have tip k-</a:t>
+              <a:t>Process all the reads that have tip </a:t>
+            </a:r>
+            <a:r>
+              <a:rPr lang="en-US" i="1" dirty="0" smtClean="0"/>
+              <a:t>k</a:t>
+            </a:r>
+            <a:r>
+              <a:rPr lang="en-US" dirty="0" smtClean="0"/>
+              <a:t>-</a:t>
             </a:r>
             <a:r>
               <a:rPr lang="en-US" dirty="0" err="1" smtClean="0"/>
@@ -3498,7 +4012,15 @@
             <a:pPr lvl="1"/>
             <a:r>
               <a:rPr lang="en-US" dirty="0" smtClean="0"/>
-              <a:t>Mark all k-</a:t>
+              <a:t>Mark all </a:t>
+            </a:r>
+            <a:r>
+              <a:rPr lang="en-US" i="1" dirty="0" smtClean="0"/>
+              <a:t>k</a:t>
+            </a:r>
+            <a:r>
+              <a:rPr lang="en-US" dirty="0" smtClean="0"/>
+              <a:t>-</a:t>
             </a:r>
             <a:r>
               <a:rPr lang="en-US" dirty="0" err="1" smtClean="0"/>
@@ -3513,8 +4035,13 @@
             </a:br>
             <a:r>
               <a:rPr lang="en-US" dirty="0" smtClean="0"/>
-              <a:t>Possible Tip Extensions</a:t>
-            </a:r>
+              <a:t>Possible Tip </a:t>
+            </a:r>
+            <a:r>
+              <a:rPr lang="en-US" dirty="0" smtClean="0"/>
+              <a:t>Extensions (PTE)</a:t>
+            </a:r>
+            <a:endParaRPr lang="en-US" dirty="0" smtClean="0"/>
           </a:p>
         </p:txBody>
       </p:sp>
@@ -3647,7 +4174,15 @@
           <a:p>
             <a:r>
               <a:rPr lang="en-US" dirty="0" smtClean="0"/>
-              <a:t>Process all the reads that have PTE k-</a:t>
+              <a:t>Process all the reads that have PTE </a:t>
+            </a:r>
+            <a:r>
+              <a:rPr lang="en-US" i="1" dirty="0" smtClean="0"/>
+              <a:t>k</a:t>
+            </a:r>
+            <a:r>
+              <a:rPr lang="en-US" dirty="0" smtClean="0"/>
+              <a:t>-</a:t>
             </a:r>
             <a:r>
               <a:rPr lang="en-US" dirty="0" err="1" smtClean="0"/>
@@ -3662,7 +4197,15 @@
             <a:pPr lvl="1"/>
             <a:r>
               <a:rPr lang="en-US" dirty="0" smtClean="0"/>
-              <a:t>for each PTEs, memorize whether there are earmarked k-</a:t>
+              <a:t>for each PTEs, memorize whether there are earmarked </a:t>
+            </a:r>
+            <a:r>
+              <a:rPr lang="en-US" i="1" dirty="0" smtClean="0"/>
+              <a:t>k</a:t>
+            </a:r>
+            <a:r>
+              <a:rPr lang="en-US" dirty="0" smtClean="0"/>
+              <a:t>-</a:t>
             </a:r>
             <a:r>
               <a:rPr lang="en-US" dirty="0" err="1" smtClean="0"/>
@@ -3672,7 +4215,6 @@
               <a:rPr lang="en-US" dirty="0" smtClean="0"/>
               <a:t> to left and to the right</a:t>
             </a:r>
-            <a:endParaRPr lang="en-US" dirty="0" smtClean="0"/>
           </a:p>
         </p:txBody>
       </p:sp>
@@ -3796,7 +4338,6 @@
               <a:rPr lang="en-US" dirty="0" smtClean="0"/>
               <a:t>(least preferred) PTE that is furthest away (in bps)</a:t>
             </a:r>
-            <a:endParaRPr lang="en-US" dirty="0" smtClean="0"/>
           </a:p>
         </p:txBody>
       </p:sp>
@@ -3925,7 +4466,6 @@
               <a:rPr lang="en-US" dirty="0" smtClean="0"/>
               <a:t>Natural use of external trustiness information</a:t>
             </a:r>
-            <a:endParaRPr lang="en-US" dirty="0" smtClean="0"/>
           </a:p>
         </p:txBody>
       </p:sp>
@@ -3961,6 +4501,634 @@
             <a:spLocks noGrp="1"/>
           </p:cNvSpPr>
           <p:nvPr>
+            <p:ph type="title"/>
+          </p:nvPr>
+        </p:nvSpPr>
+        <p:spPr/>
+        <p:txBody>
+          <a:bodyPr/>
+          <a:lstStyle/>
+          <a:p>
+            <a:r>
+              <a:rPr lang="en-US" dirty="0" smtClean="0"/>
+              <a:t>Practical results</a:t>
+            </a:r>
+            <a:endParaRPr lang="ru-RU" dirty="0"/>
+          </a:p>
+        </p:txBody>
+      </p:sp>
+      <p:graphicFrame>
+        <p:nvGraphicFramePr>
+          <p:cNvPr id="5" name="Содержимое 4"/>
+          <p:cNvGraphicFramePr>
+            <a:graphicFrameLocks noGrp="1"/>
+          </p:cNvGraphicFramePr>
+          <p:nvPr>
+            <p:ph idx="1"/>
+          </p:nvPr>
+        </p:nvGraphicFramePr>
+        <p:xfrm>
+          <a:off x="457200" y="1600200"/>
+          <a:ext cx="8229600" cy="3337560"/>
+        </p:xfrm>
+        <a:graphic>
+          <a:graphicData uri="http://schemas.openxmlformats.org/drawingml/2006/table">
+            <a:tbl>
+              <a:tblPr firstRow="1" bandRow="1">
+                <a:tableStyleId>{073A0DAA-6AF3-43AB-8588-CEC1D06C72B9}</a:tableStyleId>
+              </a:tblPr>
+              <a:tblGrid>
+                <a:gridCol w="2057400"/>
+                <a:gridCol w="2057400"/>
+                <a:gridCol w="2057400"/>
+                <a:gridCol w="2057400"/>
+              </a:tblGrid>
+              <a:tr h="370840">
+                <a:tc>
+                  <a:txBody>
+                    <a:bodyPr/>
+                    <a:lstStyle/>
+                    <a:p>
+                      <a:endParaRPr lang="ru-RU" dirty="0"/>
+                    </a:p>
+                  </a:txBody>
+                  <a:tcPr/>
+                </a:tc>
+                <a:tc>
+                  <a:txBody>
+                    <a:bodyPr/>
+                    <a:lstStyle/>
+                    <a:p>
+                      <a:endParaRPr lang="ru-RU" dirty="0"/>
+                    </a:p>
+                  </a:txBody>
+                  <a:tcPr/>
+                </a:tc>
+                <a:tc>
+                  <a:txBody>
+                    <a:bodyPr/>
+                    <a:lstStyle/>
+                    <a:p>
+                      <a:r>
+                        <a:rPr lang="en-US" dirty="0" smtClean="0"/>
+                        <a:t>De</a:t>
+                      </a:r>
+                      <a:r>
+                        <a:rPr lang="en-US" baseline="0" dirty="0" smtClean="0"/>
+                        <a:t> </a:t>
+                      </a:r>
+                      <a:r>
+                        <a:rPr lang="en-US" baseline="0" dirty="0" err="1" smtClean="0"/>
+                        <a:t>Bruijn</a:t>
+                      </a:r>
+                      <a:r>
+                        <a:rPr lang="en-US" baseline="0" dirty="0" smtClean="0"/>
+                        <a:t> graph</a:t>
+                      </a:r>
+                      <a:endParaRPr lang="ru-RU" dirty="0"/>
+                    </a:p>
+                  </a:txBody>
+                  <a:tcPr/>
+                </a:tc>
+                <a:tc>
+                  <a:txBody>
+                    <a:bodyPr/>
+                    <a:lstStyle/>
+                    <a:p>
+                      <a:r>
+                        <a:rPr lang="en-US" dirty="0" smtClean="0"/>
+                        <a:t>Earmark</a:t>
+                      </a:r>
+                      <a:r>
+                        <a:rPr lang="en-US" baseline="0" dirty="0" smtClean="0"/>
+                        <a:t> graph</a:t>
+                      </a:r>
+                      <a:endParaRPr lang="ru-RU" dirty="0"/>
+                    </a:p>
+                  </a:txBody>
+                  <a:tcPr/>
+                </a:tc>
+              </a:tr>
+              <a:tr h="370840">
+                <a:tc>
+                  <a:txBody>
+                    <a:bodyPr/>
+                    <a:lstStyle/>
+                    <a:p>
+                      <a:r>
+                        <a:rPr lang="en-US" dirty="0" smtClean="0"/>
+                        <a:t>First 10% of E. Coli</a:t>
+                      </a:r>
+                      <a:endParaRPr lang="ru-RU" dirty="0"/>
+                    </a:p>
+                  </a:txBody>
+                  <a:tcPr/>
+                </a:tc>
+                <a:tc>
+                  <a:txBody>
+                    <a:bodyPr/>
+                    <a:lstStyle/>
+                    <a:p>
+                      <a:r>
+                        <a:rPr lang="en-US" dirty="0" smtClean="0"/>
+                        <a:t>#</a:t>
+                      </a:r>
+                      <a:r>
+                        <a:rPr lang="en-US" baseline="0" dirty="0" smtClean="0"/>
+                        <a:t> of vertices</a:t>
+                      </a:r>
+                      <a:endParaRPr lang="ru-RU" dirty="0"/>
+                    </a:p>
+                  </a:txBody>
+                  <a:tcPr/>
+                </a:tc>
+                <a:tc>
+                  <a:txBody>
+                    <a:bodyPr/>
+                    <a:lstStyle/>
+                    <a:p>
+                      <a:r>
+                        <a:rPr lang="ru-RU" dirty="0" smtClean="0"/>
+                        <a:t>809730</a:t>
+                      </a:r>
+                      <a:endParaRPr lang="ru-RU" dirty="0"/>
+                    </a:p>
+                  </a:txBody>
+                  <a:tcPr/>
+                </a:tc>
+                <a:tc>
+                  <a:txBody>
+                    <a:bodyPr/>
+                    <a:lstStyle/>
+                    <a:p>
+                      <a:r>
+                        <a:rPr lang="ru-RU" dirty="0" smtClean="0"/>
+                        <a:t>62420</a:t>
+                      </a:r>
+                      <a:endParaRPr lang="ru-RU" dirty="0"/>
+                    </a:p>
+                  </a:txBody>
+                  <a:tcPr/>
+                </a:tc>
+              </a:tr>
+              <a:tr h="370840">
+                <a:tc>
+                  <a:txBody>
+                    <a:bodyPr/>
+                    <a:lstStyle/>
+                    <a:p>
+                      <a:endParaRPr lang="ru-RU"/>
+                    </a:p>
+                  </a:txBody>
+                  <a:tcPr/>
+                </a:tc>
+                <a:tc>
+                  <a:txBody>
+                    <a:bodyPr/>
+                    <a:lstStyle/>
+                    <a:p>
+                      <a:r>
+                        <a:rPr lang="en-US" dirty="0" smtClean="0"/>
+                        <a:t>#</a:t>
+                      </a:r>
+                      <a:r>
+                        <a:rPr lang="en-US" baseline="0" dirty="0" smtClean="0"/>
+                        <a:t> of edges</a:t>
+                      </a:r>
+                      <a:endParaRPr lang="ru-RU" dirty="0"/>
+                    </a:p>
+                  </a:txBody>
+                  <a:tcPr/>
+                </a:tc>
+                <a:tc>
+                  <a:txBody>
+                    <a:bodyPr/>
+                    <a:lstStyle/>
+                    <a:p>
+                      <a:r>
+                        <a:rPr lang="ru-RU" dirty="0" smtClean="0"/>
+                        <a:t>810354</a:t>
+                      </a:r>
+                      <a:endParaRPr lang="ru-RU" dirty="0"/>
+                    </a:p>
+                  </a:txBody>
+                  <a:tcPr/>
+                </a:tc>
+                <a:tc>
+                  <a:txBody>
+                    <a:bodyPr/>
+                    <a:lstStyle/>
+                    <a:p>
+                      <a:r>
+                        <a:rPr lang="ru-RU" dirty="0" smtClean="0"/>
+                        <a:t>62900</a:t>
+                      </a:r>
+                      <a:endParaRPr lang="ru-RU" dirty="0"/>
+                    </a:p>
+                  </a:txBody>
+                  <a:tcPr/>
+                </a:tc>
+              </a:tr>
+              <a:tr h="370840">
+                <a:tc>
+                  <a:txBody>
+                    <a:bodyPr/>
+                    <a:lstStyle/>
+                    <a:p>
+                      <a:r>
+                        <a:rPr lang="en-US" dirty="0" smtClean="0"/>
+                        <a:t>+</a:t>
+                      </a:r>
+                      <a:r>
+                        <a:rPr lang="en-US" baseline="0" dirty="0" smtClean="0"/>
+                        <a:t> compression</a:t>
+                      </a:r>
+                      <a:endParaRPr lang="ru-RU" dirty="0"/>
+                    </a:p>
+                  </a:txBody>
+                  <a:tcPr/>
+                </a:tc>
+                <a:tc>
+                  <a:txBody>
+                    <a:bodyPr/>
+                    <a:lstStyle/>
+                    <a:p>
+                      <a:r>
+                        <a:rPr lang="en-US" dirty="0" smtClean="0"/>
+                        <a:t>#</a:t>
+                      </a:r>
+                      <a:r>
+                        <a:rPr lang="en-US" baseline="0" dirty="0" smtClean="0"/>
+                        <a:t> of vertices</a:t>
+                      </a:r>
+                      <a:endParaRPr lang="ru-RU" dirty="0"/>
+                    </a:p>
+                  </a:txBody>
+                  <a:tcPr/>
+                </a:tc>
+                <a:tc>
+                  <a:txBody>
+                    <a:bodyPr/>
+                    <a:lstStyle/>
+                    <a:p>
+                      <a:r>
+                        <a:rPr lang="ru-RU" dirty="0" smtClean="0"/>
+                        <a:t>5020</a:t>
+                      </a:r>
+                      <a:endParaRPr lang="ru-RU" dirty="0"/>
+                    </a:p>
+                  </a:txBody>
+                  <a:tcPr/>
+                </a:tc>
+                <a:tc>
+                  <a:txBody>
+                    <a:bodyPr/>
+                    <a:lstStyle/>
+                    <a:p>
+                      <a:r>
+                        <a:rPr lang="ru-RU" dirty="0" smtClean="0"/>
+                        <a:t>1376</a:t>
+                      </a:r>
+                      <a:endParaRPr lang="ru-RU" dirty="0"/>
+                    </a:p>
+                  </a:txBody>
+                  <a:tcPr/>
+                </a:tc>
+              </a:tr>
+              <a:tr h="370840">
+                <a:tc>
+                  <a:txBody>
+                    <a:bodyPr/>
+                    <a:lstStyle/>
+                    <a:p>
+                      <a:endParaRPr lang="ru-RU" dirty="0"/>
+                    </a:p>
+                  </a:txBody>
+                  <a:tcPr/>
+                </a:tc>
+                <a:tc>
+                  <a:txBody>
+                    <a:bodyPr/>
+                    <a:lstStyle/>
+                    <a:p>
+                      <a:r>
+                        <a:rPr lang="en-US" dirty="0" smtClean="0"/>
+                        <a:t>#</a:t>
+                      </a:r>
+                      <a:r>
+                        <a:rPr lang="en-US" baseline="0" dirty="0" smtClean="0"/>
+                        <a:t> of edges</a:t>
+                      </a:r>
+                      <a:endParaRPr lang="ru-RU" dirty="0"/>
+                    </a:p>
+                  </a:txBody>
+                  <a:tcPr/>
+                </a:tc>
+                <a:tc>
+                  <a:txBody>
+                    <a:bodyPr/>
+                    <a:lstStyle/>
+                    <a:p>
+                      <a:r>
+                        <a:rPr lang="ru-RU" dirty="0" smtClean="0"/>
+                        <a:t>5644</a:t>
+                      </a:r>
+                      <a:endParaRPr lang="ru-RU" dirty="0"/>
+                    </a:p>
+                  </a:txBody>
+                  <a:tcPr/>
+                </a:tc>
+                <a:tc>
+                  <a:txBody>
+                    <a:bodyPr/>
+                    <a:lstStyle/>
+                    <a:p>
+                      <a:r>
+                        <a:rPr lang="ru-RU" dirty="0" smtClean="0"/>
+                        <a:t>1856</a:t>
+                      </a:r>
+                      <a:endParaRPr lang="ru-RU" dirty="0"/>
+                    </a:p>
+                  </a:txBody>
+                  <a:tcPr/>
+                </a:tc>
+              </a:tr>
+              <a:tr h="370840">
+                <a:tc>
+                  <a:txBody>
+                    <a:bodyPr/>
+                    <a:lstStyle/>
+                    <a:p>
+                      <a:r>
+                        <a:rPr lang="en-US" dirty="0" smtClean="0"/>
+                        <a:t>+ tip clipping</a:t>
+                      </a:r>
+                      <a:endParaRPr lang="ru-RU" dirty="0"/>
+                    </a:p>
+                  </a:txBody>
+                  <a:tcPr/>
+                </a:tc>
+                <a:tc>
+                  <a:txBody>
+                    <a:bodyPr/>
+                    <a:lstStyle/>
+                    <a:p>
+                      <a:r>
+                        <a:rPr lang="en-US" dirty="0" smtClean="0"/>
+                        <a:t>#</a:t>
+                      </a:r>
+                      <a:r>
+                        <a:rPr lang="en-US" baseline="0" dirty="0" smtClean="0"/>
+                        <a:t> of vertices</a:t>
+                      </a:r>
+                      <a:endParaRPr lang="ru-RU" dirty="0"/>
+                    </a:p>
+                  </a:txBody>
+                  <a:tcPr/>
+                </a:tc>
+                <a:tc>
+                  <a:txBody>
+                    <a:bodyPr/>
+                    <a:lstStyle/>
+                    <a:p>
+                      <a:r>
+                        <a:rPr lang="en-US" dirty="0" smtClean="0"/>
+                        <a:t> 1310</a:t>
+                      </a:r>
+                      <a:endParaRPr lang="ru-RU" dirty="0"/>
+                    </a:p>
+                  </a:txBody>
+                  <a:tcPr/>
+                </a:tc>
+                <a:tc>
+                  <a:txBody>
+                    <a:bodyPr/>
+                    <a:lstStyle/>
+                    <a:p>
+                      <a:r>
+                        <a:rPr lang="en-US" dirty="0" smtClean="0"/>
+                        <a:t>818</a:t>
+                      </a:r>
+                      <a:endParaRPr lang="ru-RU" dirty="0"/>
+                    </a:p>
+                  </a:txBody>
+                  <a:tcPr/>
+                </a:tc>
+              </a:tr>
+              <a:tr h="370840">
+                <a:tc>
+                  <a:txBody>
+                    <a:bodyPr/>
+                    <a:lstStyle/>
+                    <a:p>
+                      <a:endParaRPr lang="ru-RU" dirty="0"/>
+                    </a:p>
+                  </a:txBody>
+                  <a:tcPr/>
+                </a:tc>
+                <a:tc>
+                  <a:txBody>
+                    <a:bodyPr/>
+                    <a:lstStyle/>
+                    <a:p>
+                      <a:r>
+                        <a:rPr lang="en-US" dirty="0" smtClean="0"/>
+                        <a:t>#</a:t>
+                      </a:r>
+                      <a:r>
+                        <a:rPr lang="en-US" baseline="0" dirty="0" smtClean="0"/>
+                        <a:t> of edges</a:t>
+                      </a:r>
+                      <a:endParaRPr lang="ru-RU" dirty="0"/>
+                    </a:p>
+                  </a:txBody>
+                  <a:tcPr/>
+                </a:tc>
+                <a:tc>
+                  <a:txBody>
+                    <a:bodyPr/>
+                    <a:lstStyle/>
+                    <a:p>
+                      <a:r>
+                        <a:rPr lang="ru-RU" dirty="0" smtClean="0"/>
+                        <a:t>1934</a:t>
+                      </a:r>
+                      <a:endParaRPr lang="ru-RU" dirty="0"/>
+                    </a:p>
+                  </a:txBody>
+                  <a:tcPr/>
+                </a:tc>
+                <a:tc>
+                  <a:txBody>
+                    <a:bodyPr/>
+                    <a:lstStyle/>
+                    <a:p>
+                      <a:r>
+                        <a:rPr lang="ru-RU" dirty="0" smtClean="0"/>
+                        <a:t>1298</a:t>
+                      </a:r>
+                      <a:endParaRPr lang="ru-RU" dirty="0"/>
+                    </a:p>
+                  </a:txBody>
+                  <a:tcPr/>
+                </a:tc>
+              </a:tr>
+              <a:tr h="370840">
+                <a:tc>
+                  <a:txBody>
+                    <a:bodyPr/>
+                    <a:lstStyle/>
+                    <a:p>
+                      <a:r>
+                        <a:rPr lang="en-US" dirty="0" smtClean="0"/>
+                        <a:t>+ bulge removal</a:t>
+                      </a:r>
+                      <a:endParaRPr lang="ru-RU" dirty="0"/>
+                    </a:p>
+                  </a:txBody>
+                  <a:tcPr/>
+                </a:tc>
+                <a:tc>
+                  <a:txBody>
+                    <a:bodyPr/>
+                    <a:lstStyle/>
+                    <a:p>
+                      <a:r>
+                        <a:rPr lang="en-US" dirty="0" smtClean="0"/>
+                        <a:t>#</a:t>
+                      </a:r>
+                      <a:r>
+                        <a:rPr lang="en-US" baseline="0" dirty="0" smtClean="0"/>
+                        <a:t> of vertices</a:t>
+                      </a:r>
+                      <a:endParaRPr lang="ru-RU" dirty="0"/>
+                    </a:p>
+                  </a:txBody>
+                  <a:tcPr/>
+                </a:tc>
+                <a:tc>
+                  <a:txBody>
+                    <a:bodyPr/>
+                    <a:lstStyle/>
+                    <a:p>
+                      <a:r>
+                        <a:rPr lang="ru-RU" dirty="0" smtClean="0"/>
+                        <a:t>964</a:t>
+                      </a:r>
+                      <a:endParaRPr lang="ru-RU" dirty="0"/>
+                    </a:p>
+                  </a:txBody>
+                  <a:tcPr/>
+                </a:tc>
+                <a:tc>
+                  <a:txBody>
+                    <a:bodyPr/>
+                    <a:lstStyle/>
+                    <a:p>
+                      <a:r>
+                        <a:rPr lang="ru-RU" dirty="0" smtClean="0"/>
+                        <a:t>472</a:t>
+                      </a:r>
+                      <a:endParaRPr lang="ru-RU" dirty="0"/>
+                    </a:p>
+                  </a:txBody>
+                  <a:tcPr/>
+                </a:tc>
+              </a:tr>
+              <a:tr h="370840">
+                <a:tc>
+                  <a:txBody>
+                    <a:bodyPr/>
+                    <a:lstStyle/>
+                    <a:p>
+                      <a:endParaRPr lang="ru-RU"/>
+                    </a:p>
+                  </a:txBody>
+                  <a:tcPr/>
+                </a:tc>
+                <a:tc>
+                  <a:txBody>
+                    <a:bodyPr/>
+                    <a:lstStyle/>
+                    <a:p>
+                      <a:r>
+                        <a:rPr lang="en-US" dirty="0" smtClean="0"/>
+                        <a:t>#</a:t>
+                      </a:r>
+                      <a:r>
+                        <a:rPr lang="en-US" baseline="0" dirty="0" smtClean="0"/>
+                        <a:t> of edges</a:t>
+                      </a:r>
+                      <a:endParaRPr lang="ru-RU" dirty="0"/>
+                    </a:p>
+                  </a:txBody>
+                  <a:tcPr/>
+                </a:tc>
+                <a:tc>
+                  <a:txBody>
+                    <a:bodyPr/>
+                    <a:lstStyle/>
+                    <a:p>
+                      <a:r>
+                        <a:rPr lang="ru-RU" dirty="0" smtClean="0"/>
+                        <a:t>1410</a:t>
+                      </a:r>
+                      <a:endParaRPr lang="ru-RU" dirty="0"/>
+                    </a:p>
+                  </a:txBody>
+                  <a:tcPr/>
+                </a:tc>
+                <a:tc>
+                  <a:txBody>
+                    <a:bodyPr/>
+                    <a:lstStyle/>
+                    <a:p>
+                      <a:r>
+                        <a:rPr lang="ru-RU" dirty="0" smtClean="0"/>
+                        <a:t>750</a:t>
+                      </a:r>
+                      <a:endParaRPr lang="ru-RU" dirty="0"/>
+                    </a:p>
+                  </a:txBody>
+                  <a:tcPr/>
+                </a:tc>
+              </a:tr>
+            </a:tbl>
+          </a:graphicData>
+        </a:graphic>
+      </p:graphicFrame>
+    </p:spTree>
+  </p:cSld>
+  <p:clrMapOvr>
+    <a:masterClrMapping/>
+  </p:clrMapOvr>
+</p:sld>
+</file>
+
+<file path=ppt/slides/slide16.xml><?xml version="1.0" encoding="utf-8"?>
+<p:sld xmlns:a="http://schemas.openxmlformats.org/drawingml/2006/main" xmlns:r="http://schemas.openxmlformats.org/officeDocument/2006/relationships" xmlns:p="http://schemas.openxmlformats.org/presentationml/2006/main">
+  <p:cSld>
+    <p:spTree>
+      <p:nvGrpSpPr>
+        <p:cNvPr id="1" name=""/>
+        <p:cNvGrpSpPr/>
+        <p:nvPr/>
+      </p:nvGrpSpPr>
+      <p:grpSpPr>
+        <a:xfrm>
+          <a:off x="0" y="0"/>
+          <a:ext cx="0" cy="0"/>
+          <a:chOff x="0" y="0"/>
+          <a:chExt cx="0" cy="0"/>
+        </a:xfrm>
+      </p:grpSpPr>
+      <p:sp>
+        <p:nvSpPr>
+          <p:cNvPr id="2" name="Заголовок 1"/>
+          <p:cNvSpPr>
+            <a:spLocks noGrp="1"/>
+          </p:cNvSpPr>
+          <p:nvPr>
             <p:ph type="ctrTitle"/>
           </p:nvPr>
         </p:nvSpPr>
@@ -4164,16 +5332,8 @@
               <a:t>the genome </a:t>
             </a:r>
             <a:r>
-              <a:rPr lang="ru-RU" dirty="0" smtClean="0"/>
-              <a:t/>
-            </a:r>
-            <a:r>
-              <a:rPr lang="ru-RU" b="1" dirty="0" smtClean="0"/>
-              <a:t/>
-            </a:r>
-            <a:r>
-              <a:rPr lang="en-US" dirty="0" smtClean="0"/>
-              <a:t>;</a:t>
+              <a:rPr lang="en-US" dirty="0" smtClean="0"/>
+              <a:t>𝑆;</a:t>
             </a:r>
             <a:endParaRPr lang="ru-RU" dirty="0"/>
           </a:p>
@@ -4782,14 +5942,22 @@
             </a:r>
             <a:r>
               <a:rPr lang="en-US" dirty="0" smtClean="0"/>
-              <a:t>)=h(</a:t>
-            </a:r>
-            <a:r>
-              <a:rPr lang="en-US" dirty="0" err="1" smtClean="0"/>
+              <a:t>)=</a:t>
+            </a:r>
+            <a:r>
+              <a:rPr lang="en-US" i="1" dirty="0" smtClean="0"/>
+              <a:t>h</a:t>
+            </a:r>
+            <a:r>
+              <a:rPr lang="en-US" dirty="0" smtClean="0"/>
+              <a:t>(</a:t>
+            </a:r>
+            <a:r>
+              <a:rPr lang="en-US" i="1" dirty="0" err="1" smtClean="0"/>
               <a:t>s</a:t>
             </a:r>
             <a:r>
-              <a:rPr lang="en-US" baseline="30000" dirty="0" err="1" smtClean="0"/>
+              <a:rPr lang="en-US" i="1" baseline="30000" dirty="0" err="1" smtClean="0"/>
               <a:t>RC</a:t>
             </a:r>
             <a:r>
@@ -4799,11 +5967,23 @@
           </a:p>
           <a:p>
             <a:r>
-              <a:rPr lang="en-US" dirty="0" smtClean="0"/>
-              <a:t>h(s) = min(</a:t>
-            </a:r>
-            <a:r>
-              <a:rPr lang="en-US" dirty="0" err="1" smtClean="0"/>
+              <a:rPr lang="en-US" i="1" dirty="0" smtClean="0"/>
+              <a:t>h</a:t>
+            </a:r>
+            <a:r>
+              <a:rPr lang="en-US" dirty="0" smtClean="0"/>
+              <a:t>(</a:t>
+            </a:r>
+            <a:r>
+              <a:rPr lang="en-US" i="1" dirty="0" smtClean="0"/>
+              <a:t>s</a:t>
+            </a:r>
+            <a:r>
+              <a:rPr lang="en-US" dirty="0" smtClean="0"/>
+              <a:t>) = min(</a:t>
+            </a:r>
+            <a:r>
+              <a:rPr lang="en-US" i="1" dirty="0" err="1" smtClean="0"/>
               <a:t>h</a:t>
             </a:r>
             <a:r>
@@ -4812,10 +5992,18 @@
             </a:r>
             <a:r>
               <a:rPr lang="en-US" dirty="0" smtClean="0"/>
-              <a:t>(s), </a:t>
-            </a:r>
-            <a:r>
-              <a:rPr lang="en-US" dirty="0" err="1" smtClean="0"/>
+              <a:t>(</a:t>
+            </a:r>
+            <a:r>
+              <a:rPr lang="en-US" i="1" dirty="0" smtClean="0"/>
+              <a:t>s</a:t>
+            </a:r>
+            <a:r>
+              <a:rPr lang="en-US" dirty="0" smtClean="0"/>
+              <a:t>), </a:t>
+            </a:r>
+            <a:r>
+              <a:rPr lang="en-US" i="1" dirty="0" err="1" smtClean="0"/>
               <a:t>h</a:t>
             </a:r>
             <a:r>
@@ -4827,11 +6015,11 @@
               <a:t>(</a:t>
             </a:r>
             <a:r>
-              <a:rPr lang="en-US" dirty="0" err="1" smtClean="0"/>
+              <a:rPr lang="en-US" i="1" dirty="0" err="1" smtClean="0"/>
               <a:t>s</a:t>
             </a:r>
             <a:r>
-              <a:rPr lang="en-US" baseline="30000" dirty="0" err="1" smtClean="0"/>
+              <a:rPr lang="en-US" i="1" baseline="30000" dirty="0" err="1" smtClean="0"/>
               <a:t>RC</a:t>
             </a:r>
             <a:r>
@@ -4845,7 +6033,31 @@
           <a:p>
             <a:r>
               <a:rPr lang="en-US" dirty="0" smtClean="0"/>
-              <a:t>The larger h(s), the more likely is this k-</a:t>
+              <a:t>The larger </a:t>
+            </a:r>
+            <a:r>
+              <a:rPr lang="en-US" i="1" dirty="0" smtClean="0"/>
+              <a:t>h</a:t>
+            </a:r>
+            <a:r>
+              <a:rPr lang="en-US" dirty="0" smtClean="0"/>
+              <a:t>(</a:t>
+            </a:r>
+            <a:r>
+              <a:rPr lang="en-US" i="1" dirty="0" smtClean="0"/>
+              <a:t>s</a:t>
+            </a:r>
+            <a:r>
+              <a:rPr lang="en-US" dirty="0" smtClean="0"/>
+              <a:t>), the more likely is this </a:t>
+            </a:r>
+            <a:r>
+              <a:rPr lang="en-US" i="1" dirty="0" smtClean="0"/>
+              <a:t>k</a:t>
+            </a:r>
+            <a:r>
+              <a:rPr lang="en-US" dirty="0" smtClean="0"/>
+              <a:t>-</a:t>
             </a:r>
             <a:r>
               <a:rPr lang="en-US" dirty="0" err="1" smtClean="0"/>
@@ -4976,7 +6188,15 @@
           <a:p>
             <a:r>
               <a:rPr lang="en-US" dirty="0" smtClean="0"/>
-              <a:t>Frequency of this k-</a:t>
+              <a:t>Frequency of this </a:t>
+            </a:r>
+            <a:r>
+              <a:rPr lang="en-US" i="1" dirty="0" smtClean="0"/>
+              <a:t>k</a:t>
+            </a:r>
+            <a:r>
+              <a:rPr lang="en-US" dirty="0" smtClean="0"/>
+              <a:t>-</a:t>
             </a:r>
             <a:r>
               <a:rPr lang="en-US" dirty="0" err="1" smtClean="0"/>
@@ -4991,7 +6211,15 @@
             <a:pPr lvl="1"/>
             <a:r>
               <a:rPr lang="en-US" dirty="0" smtClean="0"/>
-              <a:t>Try to discard k-</a:t>
+              <a:t>Try to discard </a:t>
+            </a:r>
+            <a:r>
+              <a:rPr lang="en-US" i="1" dirty="0" smtClean="0"/>
+              <a:t>k</a:t>
+            </a:r>
+            <a:r>
+              <a:rPr lang="en-US" dirty="0" smtClean="0"/>
+              <a:t>-</a:t>
             </a:r>
             <a:r>
               <a:rPr lang="en-US" dirty="0" err="1" smtClean="0"/>
@@ -5102,7 +6330,15 @@
           <a:p>
             <a:r>
               <a:rPr lang="en-US" dirty="0" smtClean="0"/>
-              <a:t>Process all the reads of length at least k+</a:t>
+              <a:t>Process all the reads of length at least </a:t>
+            </a:r>
+            <a:r>
+              <a:rPr lang="en-US" i="1" dirty="0" smtClean="0"/>
+              <a:t>k</a:t>
+            </a:r>
+            <a:r>
+              <a:rPr lang="en-US" dirty="0" smtClean="0"/>
+              <a:t>+</a:t>
             </a:r>
             <a:r>
               <a:rPr lang="el-GR" dirty="0" smtClean="0"/>
@@ -5117,7 +6353,31 @@
             <a:pPr lvl="1"/>
             <a:r>
               <a:rPr lang="en-US" dirty="0" smtClean="0"/>
-              <a:t>calculate h(s) for every its k-</a:t>
+              <a:t>calculate </a:t>
+            </a:r>
+            <a:r>
+              <a:rPr lang="en-US" i="1" dirty="0" smtClean="0"/>
+              <a:t>h</a:t>
+            </a:r>
+            <a:r>
+              <a:rPr lang="en-US" dirty="0" smtClean="0"/>
+              <a:t>(</a:t>
+            </a:r>
+            <a:r>
+              <a:rPr lang="en-US" i="1" dirty="0" smtClean="0"/>
+              <a:t>s</a:t>
+            </a:r>
+            <a:r>
+              <a:rPr lang="en-US" dirty="0" smtClean="0"/>
+              <a:t>) for every its </a:t>
+            </a:r>
+            <a:r>
+              <a:rPr lang="en-US" i="1" dirty="0" smtClean="0"/>
+              <a:t>k</a:t>
+            </a:r>
+            <a:r>
+              <a:rPr lang="en-US" dirty="0" smtClean="0"/>
+              <a:t>-</a:t>
             </a:r>
             <a:r>
               <a:rPr lang="en-US" dirty="0" err="1" smtClean="0"/>
@@ -5125,14 +6385,46 @@
             </a:r>
             <a:r>
               <a:rPr lang="en-US" dirty="0" smtClean="0"/>
-              <a:t> (note: takes O(r))</a:t>
+              <a:t> (note: takes </a:t>
+            </a:r>
+            <a:r>
+              <a:rPr lang="en-US" i="1" dirty="0" smtClean="0"/>
+              <a:t>O</a:t>
+            </a:r>
+            <a:r>
+              <a:rPr lang="en-US" dirty="0" smtClean="0"/>
+              <a:t>(</a:t>
+            </a:r>
+            <a:r>
+              <a:rPr lang="en-US" i="1" dirty="0" smtClean="0"/>
+              <a:t>r</a:t>
+            </a:r>
+            <a:r>
+              <a:rPr lang="en-US" dirty="0" smtClean="0"/>
+              <a:t>))</a:t>
             </a:r>
           </a:p>
           <a:p>
             <a:pPr lvl="1"/>
             <a:r>
               <a:rPr lang="en-US" dirty="0" smtClean="0"/>
-              <a:t>select t k-</a:t>
+              <a:t>select </a:t>
+            </a:r>
+            <a:r>
+              <a:rPr lang="en-US" i="1" dirty="0" smtClean="0"/>
+              <a:t>t</a:t>
+            </a:r>
+            <a:r>
+              <a:rPr lang="en-US" dirty="0" smtClean="0"/>
+              <a:t> </a:t>
+            </a:r>
+            <a:r>
+              <a:rPr lang="en-US" i="1" dirty="0" smtClean="0"/>
+              <a:t>k</a:t>
+            </a:r>
+            <a:r>
+              <a:rPr lang="en-US" dirty="0" smtClean="0"/>
+              <a:t>-</a:t>
             </a:r>
             <a:r>
               <a:rPr lang="en-US" dirty="0" err="1" smtClean="0"/>
@@ -5140,7 +6432,23 @@
             </a:r>
             <a:r>
               <a:rPr lang="en-US" dirty="0" smtClean="0"/>
-              <a:t> with largest h(s), earmark them.</a:t>
+              <a:t> with largest </a:t>
+            </a:r>
+            <a:r>
+              <a:rPr lang="en-US" i="1" dirty="0" smtClean="0"/>
+              <a:t>h</a:t>
+            </a:r>
+            <a:r>
+              <a:rPr lang="en-US" dirty="0" smtClean="0"/>
+              <a:t>(</a:t>
+            </a:r>
+            <a:r>
+              <a:rPr lang="en-US" i="1" dirty="0" smtClean="0"/>
+              <a:t>s</a:t>
+            </a:r>
+            <a:r>
+              <a:rPr lang="en-US" dirty="0" smtClean="0"/>
+              <a:t>), earmark them.</a:t>
             </a:r>
           </a:p>
           <a:p>
@@ -5150,11 +6458,23 @@
           <a:p>
             <a:r>
               <a:rPr lang="en-US" dirty="0" smtClean="0"/>
-              <a:t>(Optional, if t=1) process all the reads</a:t>
-            </a:r>
-            <a:r>
-              <a:rPr lang="en-US" dirty="0" smtClean="0"/>
-              <a:t> of length at least k+</a:t>
+              <a:t>(Optional, if </a:t>
+            </a:r>
+            <a:r>
+              <a:rPr lang="en-US" i="1" dirty="0" smtClean="0"/>
+              <a:t>t</a:t>
+            </a:r>
+            <a:r>
+              <a:rPr lang="en-US" dirty="0" smtClean="0"/>
+              <a:t>=1) process all the reads of length at least </a:t>
+            </a:r>
+            <a:r>
+              <a:rPr lang="en-US" i="1" dirty="0" smtClean="0"/>
+              <a:t>k</a:t>
+            </a:r>
+            <a:r>
+              <a:rPr lang="en-US" dirty="0" smtClean="0"/>
+              <a:t>+</a:t>
             </a:r>
             <a:r>
               <a:rPr lang="el-GR" dirty="0" smtClean="0"/>
@@ -5169,7 +6489,15 @@
             <a:pPr lvl="1"/>
             <a:r>
               <a:rPr lang="en-US" dirty="0" smtClean="0"/>
-              <a:t>if only one k-</a:t>
+              <a:t>if only one </a:t>
+            </a:r>
+            <a:r>
+              <a:rPr lang="en-US" i="1" dirty="0" smtClean="0"/>
+              <a:t>k</a:t>
+            </a:r>
+            <a:r>
+              <a:rPr lang="en-US" dirty="0" smtClean="0"/>
+              <a:t>-</a:t>
             </a:r>
             <a:r>
               <a:rPr lang="en-US" dirty="0" err="1" smtClean="0"/>
@@ -5177,7 +6505,15 @@
             </a:r>
             <a:r>
               <a:rPr lang="en-US" dirty="0" smtClean="0"/>
-              <a:t> is earmarked, select k-</a:t>
+              <a:t> is earmarked, select </a:t>
+            </a:r>
+            <a:r>
+              <a:rPr lang="en-US" i="1" dirty="0" smtClean="0"/>
+              <a:t>k</a:t>
+            </a:r>
+            <a:r>
+              <a:rPr lang="en-US" dirty="0" smtClean="0"/>
+              <a:t>-</a:t>
             </a:r>
             <a:r>
               <a:rPr lang="en-US" dirty="0" err="1" smtClean="0"/>
@@ -5185,7 +6521,23 @@
             </a:r>
             <a:r>
               <a:rPr lang="en-US" dirty="0" smtClean="0"/>
-              <a:t> with the second largest h(s) and earmark it.</a:t>
+              <a:t> with the second largest </a:t>
+            </a:r>
+            <a:r>
+              <a:rPr lang="en-US" i="1" dirty="0" smtClean="0"/>
+              <a:t>h</a:t>
+            </a:r>
+            <a:r>
+              <a:rPr lang="en-US" dirty="0" smtClean="0"/>
+              <a:t>(</a:t>
+            </a:r>
+            <a:r>
+              <a:rPr lang="en-US" i="1" dirty="0" smtClean="0"/>
+              <a:t>s</a:t>
+            </a:r>
+            <a:r>
+              <a:rPr lang="en-US" dirty="0" smtClean="0"/>
+              <a:t>) and earmark it.</a:t>
             </a:r>
             <a:endParaRPr lang="ru-RU" dirty="0"/>
           </a:p>
@@ -5643,4 +6995,287 @@
   <a:objectDefaults/>
   <a:extraClrSchemeLst/>
 </a:theme>
+</file>
+
+<file path=ppt/theme/theme2.xml><?xml version="1.0" encoding="utf-8"?>
+<a:theme xmlns:a="http://schemas.openxmlformats.org/drawingml/2006/main" name="Тема Office">
+  <a:themeElements>
+    <a:clrScheme name="Стандартная">
+      <a:dk1>
+        <a:sysClr val="windowText" lastClr="000000"/>
+      </a:dk1>
+      <a:lt1>
+        <a:sysClr val="window" lastClr="FFFFFF"/>
+      </a:lt1>
+      <a:dk2>
+        <a:srgbClr val="1F497D"/>
+      </a:dk2>
+      <a:lt2>
+        <a:srgbClr val="EEECE1"/>
+      </a:lt2>
+      <a:accent1>
+        <a:srgbClr val="4F81BD"/>
+      </a:accent1>
+      <a:accent2>
+        <a:srgbClr val="C0504D"/>
+      </a:accent2>
+      <a:accent3>
+        <a:srgbClr val="9BBB59"/>
+      </a:accent3>
+      <a:accent4>
+        <a:srgbClr val="8064A2"/>
+      </a:accent4>
+      <a:accent5>
+        <a:srgbClr val="4BACC6"/>
+      </a:accent5>
+      <a:accent6>
+        <a:srgbClr val="F79646"/>
+      </a:accent6>
+      <a:hlink>
+        <a:srgbClr val="0000FF"/>
+      </a:hlink>
+      <a:folHlink>
+        <a:srgbClr val="800080"/>
+      </a:folHlink>
+    </a:clrScheme>
+    <a:fontScheme name="Стандартная">
+      <a:majorFont>
+        <a:latin typeface="Calibri"/>
+        <a:ea typeface=""/>
+        <a:cs typeface=""/>
+        <a:font script="Jpan" typeface="ＭＳ Ｐゴシック"/>
+        <a:font script="Hang" typeface="맑은 고딕"/>
+        <a:font script="Hans" typeface="宋体"/>
+        <a:font script="Hant" typeface="新細明體"/>
+        <a:font script="Arab" typeface="Times New Roman"/>
+        <a:font script="Hebr" typeface="Times New Roman"/>
+        <a:font script="Thai" typeface="Angsana New"/>
+        <a:font script="Ethi" typeface="Nyala"/>
+        <a:font script="Beng" typeface="Vrinda"/>
+        <a:font script="Gujr" typeface="Shruti"/>
+        <a:font script="Khmr" typeface="MoolBoran"/>
+        <a:font script="Knda" typeface="Tunga"/>
+        <a:font script="Guru" typeface="Raavi"/>
+        <a:font script="Cans" typeface="Euphemia"/>
+        <a:font script="Cher" typeface="Plantagenet Cherokee"/>
+        <a:font script="Yiii" typeface="Microsoft Yi Baiti"/>
+        <a:font script="Tibt" typeface="Microsoft Himalaya"/>
+        <a:font script="Thaa" typeface="MV Boli"/>
+        <a:font script="Deva" typeface="Mangal"/>
+        <a:font script="Telu" typeface="Gautami"/>
+        <a:font script="Taml" typeface="Latha"/>
+        <a:font script="Syrc" typeface="Estrangelo Edessa"/>
+        <a:font script="Orya" typeface="Kalinga"/>
+        <a:font script="Mlym" typeface="Kartika"/>
+        <a:font script="Laoo" typeface="DokChampa"/>
+        <a:font script="Sinh" typeface="Iskoola Pota"/>
+        <a:font script="Mong" typeface="Mongolian Baiti"/>
+        <a:font script="Viet" typeface="Times New Roman"/>
+        <a:font script="Uigh" typeface="Microsoft Uighur"/>
+      </a:majorFont>
+      <a:minorFont>
+        <a:latin typeface="Calibri"/>
+        <a:ea typeface=""/>
+        <a:cs typeface=""/>
+        <a:font script="Jpan" typeface="ＭＳ Ｐゴシック"/>
+        <a:font script="Hang" typeface="맑은 고딕"/>
+        <a:font script="Hans" typeface="宋体"/>
+        <a:font script="Hant" typeface="新細明體"/>
+        <a:font script="Arab" typeface="Arial"/>
+        <a:font script="Hebr" typeface="Arial"/>
+        <a:font script="Thai" typeface="Cordia New"/>
+        <a:font script="Ethi" typeface="Nyala"/>
+        <a:font script="Beng" typeface="Vrinda"/>
+        <a:font script="Gujr" typeface="Shruti"/>
+        <a:font script="Khmr" typeface="DaunPenh"/>
+        <a:font script="Knda" typeface="Tunga"/>
+        <a:font script="Guru" typeface="Raavi"/>
+        <a:font script="Cans" typeface="Euphemia"/>
+        <a:font script="Cher" typeface="Plantagenet Cherokee"/>
+        <a:font script="Yiii" typeface="Microsoft Yi Baiti"/>
+        <a:font script="Tibt" typeface="Microsoft Himalaya"/>
+        <a:font script="Thaa" typeface="MV Boli"/>
+        <a:font script="Deva" typeface="Mangal"/>
+        <a:font script="Telu" typeface="Gautami"/>
+        <a:font script="Taml" typeface="Latha"/>
+        <a:font script="Syrc" typeface="Estrangelo Edessa"/>
+        <a:font script="Orya" typeface="Kalinga"/>
+        <a:font script="Mlym" typeface="Kartika"/>
+        <a:font script="Laoo" typeface="DokChampa"/>
+        <a:font script="Sinh" typeface="Iskoola Pota"/>
+        <a:font script="Mong" typeface="Mongolian Baiti"/>
+        <a:font script="Viet" typeface="Arial"/>
+        <a:font script="Uigh" typeface="Microsoft Uighur"/>
+      </a:minorFont>
+    </a:fontScheme>
+    <a:fmtScheme name="Стандартная">
+      <a:fillStyleLst>
+        <a:solidFill>
+          <a:schemeClr val="phClr"/>
+        </a:solidFill>
+        <a:gradFill rotWithShape="1">
+          <a:gsLst>
+            <a:gs pos="0">
+              <a:schemeClr val="phClr">
+                <a:tint val="50000"/>
+                <a:satMod val="300000"/>
+              </a:schemeClr>
+            </a:gs>
+            <a:gs pos="35000">
+              <a:schemeClr val="phClr">
+                <a:tint val="37000"/>
+                <a:satMod val="300000"/>
+              </a:schemeClr>
+            </a:gs>
+            <a:gs pos="100000">
+              <a:schemeClr val="phClr">
+                <a:tint val="15000"/>
+                <a:satMod val="350000"/>
+              </a:schemeClr>
+            </a:gs>
+          </a:gsLst>
+          <a:lin ang="16200000" scaled="1"/>
+        </a:gradFill>
+        <a:gradFill rotWithShape="1">
+          <a:gsLst>
+            <a:gs pos="0">
+              <a:schemeClr val="phClr">
+                <a:shade val="51000"/>
+                <a:satMod val="130000"/>
+              </a:schemeClr>
+            </a:gs>
+            <a:gs pos="80000">
+              <a:schemeClr val="phClr">
+                <a:shade val="93000"/>
+                <a:satMod val="130000"/>
+              </a:schemeClr>
+            </a:gs>
+            <a:gs pos="100000">
+              <a:schemeClr val="phClr">
+                <a:shade val="94000"/>
+                <a:satMod val="135000"/>
+              </a:schemeClr>
+            </a:gs>
+          </a:gsLst>
+          <a:lin ang="16200000" scaled="0"/>
+        </a:gradFill>
+      </a:fillStyleLst>
+      <a:lnStyleLst>
+        <a:ln w="9525" cap="flat" cmpd="sng" algn="ctr">
+          <a:solidFill>
+            <a:schemeClr val="phClr">
+              <a:shade val="95000"/>
+              <a:satMod val="105000"/>
+            </a:schemeClr>
+          </a:solidFill>
+          <a:prstDash val="solid"/>
+        </a:ln>
+        <a:ln w="25400" cap="flat" cmpd="sng" algn="ctr">
+          <a:solidFill>
+            <a:schemeClr val="phClr"/>
+          </a:solidFill>
+          <a:prstDash val="solid"/>
+        </a:ln>
+        <a:ln w="38100" cap="flat" cmpd="sng" algn="ctr">
+          <a:solidFill>
+            <a:schemeClr val="phClr"/>
+          </a:solidFill>
+          <a:prstDash val="solid"/>
+        </a:ln>
+      </a:lnStyleLst>
+      <a:effectStyleLst>
+        <a:effectStyle>
+          <a:effectLst>
+            <a:outerShdw blurRad="40000" dist="20000" dir="5400000" rotWithShape="0">
+              <a:srgbClr val="000000">
+                <a:alpha val="38000"/>
+              </a:srgbClr>
+            </a:outerShdw>
+          </a:effectLst>
+        </a:effectStyle>
+        <a:effectStyle>
+          <a:effectLst>
+            <a:outerShdw blurRad="40000" dist="23000" dir="5400000" rotWithShape="0">
+              <a:srgbClr val="000000">
+                <a:alpha val="35000"/>
+              </a:srgbClr>
+            </a:outerShdw>
+          </a:effectLst>
+        </a:effectStyle>
+        <a:effectStyle>
+          <a:effectLst>
+            <a:outerShdw blurRad="40000" dist="23000" dir="5400000" rotWithShape="0">
+              <a:srgbClr val="000000">
+                <a:alpha val="35000"/>
+              </a:srgbClr>
+            </a:outerShdw>
+          </a:effectLst>
+          <a:scene3d>
+            <a:camera prst="orthographicFront">
+              <a:rot lat="0" lon="0" rev="0"/>
+            </a:camera>
+            <a:lightRig rig="threePt" dir="t">
+              <a:rot lat="0" lon="0" rev="1200000"/>
+            </a:lightRig>
+          </a:scene3d>
+          <a:sp3d>
+            <a:bevelT w="63500" h="25400"/>
+          </a:sp3d>
+        </a:effectStyle>
+      </a:effectStyleLst>
+      <a:bgFillStyleLst>
+        <a:solidFill>
+          <a:schemeClr val="phClr"/>
+        </a:solidFill>
+        <a:gradFill rotWithShape="1">
+          <a:gsLst>
+            <a:gs pos="0">
+              <a:schemeClr val="phClr">
+                <a:tint val="40000"/>
+                <a:satMod val="350000"/>
+              </a:schemeClr>
+            </a:gs>
+            <a:gs pos="40000">
+              <a:schemeClr val="phClr">
+                <a:tint val="45000"/>
+                <a:shade val="99000"/>
+                <a:satMod val="350000"/>
+              </a:schemeClr>
+            </a:gs>
+            <a:gs pos="100000">
+              <a:schemeClr val="phClr">
+                <a:shade val="20000"/>
+                <a:satMod val="255000"/>
+              </a:schemeClr>
+            </a:gs>
+          </a:gsLst>
+          <a:path path="circle">
+            <a:fillToRect l="50000" t="-80000" r="50000" b="180000"/>
+          </a:path>
+        </a:gradFill>
+        <a:gradFill rotWithShape="1">
+          <a:gsLst>
+            <a:gs pos="0">
+              <a:schemeClr val="phClr">
+                <a:tint val="80000"/>
+                <a:satMod val="300000"/>
+              </a:schemeClr>
+            </a:gs>
+            <a:gs pos="100000">
+              <a:schemeClr val="phClr">
+                <a:shade val="30000"/>
+                <a:satMod val="200000"/>
+              </a:schemeClr>
+            </a:gs>
+          </a:gsLst>
+          <a:path path="circle">
+            <a:fillToRect l="50000" t="50000" r="50000" b="50000"/>
+          </a:path>
+        </a:gradFill>
+      </a:bgFillStyleLst>
+    </a:fmtScheme>
+  </a:themeElements>
+  <a:objectDefaults/>
+  <a:extraClrSchemeLst/>
+</a:theme>
 </file>
--- a/assembler/docs/abruijn/presentation.pptx
+++ b/assembler/docs/abruijn/presentation.pptx
@@ -207,7 +207,8 @@
           <a:p>
             <a:fld id="{284B98D8-C79C-4B4D-ACAF-F89EB508FB2E}" type="datetimeFigureOut">
               <a:rPr lang="ru-RU" smtClean="0"/>
-              <a:t>26.10.2011</a:t>
+              <a:pPr/>
+              <a:t>04.11.2011</a:t>
             </a:fld>
             <a:endParaRPr lang="ru-RU"/>
           </a:p>
@@ -368,6 +369,7 @@
           <a:p>
             <a:fld id="{E858A2BC-9C54-4EF9-9159-6C08DE493695}" type="slidenum">
               <a:rPr lang="ru-RU" smtClean="0"/>
+              <a:pPr/>
               <a:t>‹#›</a:t>
             </a:fld>
             <a:endParaRPr lang="ru-RU"/>
@@ -539,6 +541,7 @@
           <a:p>
             <a:fld id="{E858A2BC-9C54-4EF9-9159-6C08DE493695}" type="slidenum">
               <a:rPr lang="ru-RU" smtClean="0"/>
+              <a:pPr/>
               <a:t>2</a:t>
             </a:fld>
             <a:endParaRPr lang="ru-RU"/>
@@ -735,7 +738,7 @@
             <a:fld id="{0563D008-AB0E-4783-9166-0BE71FE267ED}" type="datetimeFigureOut">
               <a:rPr lang="ru-RU" smtClean="0"/>
               <a:pPr/>
-              <a:t>26.10.2011</a:t>
+              <a:t>04.11.2011</a:t>
             </a:fld>
             <a:endParaRPr lang="ru-RU"/>
           </a:p>
@@ -902,7 +905,7 @@
             <a:fld id="{0563D008-AB0E-4783-9166-0BE71FE267ED}" type="datetimeFigureOut">
               <a:rPr lang="ru-RU" smtClean="0"/>
               <a:pPr/>
-              <a:t>26.10.2011</a:t>
+              <a:t>04.11.2011</a:t>
             </a:fld>
             <a:endParaRPr lang="ru-RU"/>
           </a:p>
@@ -1079,7 +1082,7 @@
             <a:fld id="{0563D008-AB0E-4783-9166-0BE71FE267ED}" type="datetimeFigureOut">
               <a:rPr lang="ru-RU" smtClean="0"/>
               <a:pPr/>
-              <a:t>26.10.2011</a:t>
+              <a:t>04.11.2011</a:t>
             </a:fld>
             <a:endParaRPr lang="ru-RU"/>
           </a:p>
@@ -1246,7 +1249,7 @@
             <a:fld id="{0563D008-AB0E-4783-9166-0BE71FE267ED}" type="datetimeFigureOut">
               <a:rPr lang="ru-RU" smtClean="0"/>
               <a:pPr/>
-              <a:t>26.10.2011</a:t>
+              <a:t>04.11.2011</a:t>
             </a:fld>
             <a:endParaRPr lang="ru-RU"/>
           </a:p>
@@ -1489,7 +1492,7 @@
             <a:fld id="{0563D008-AB0E-4783-9166-0BE71FE267ED}" type="datetimeFigureOut">
               <a:rPr lang="ru-RU" smtClean="0"/>
               <a:pPr/>
-              <a:t>26.10.2011</a:t>
+              <a:t>04.11.2011</a:t>
             </a:fld>
             <a:endParaRPr lang="ru-RU"/>
           </a:p>
@@ -1774,7 +1777,7 @@
             <a:fld id="{0563D008-AB0E-4783-9166-0BE71FE267ED}" type="datetimeFigureOut">
               <a:rPr lang="ru-RU" smtClean="0"/>
               <a:pPr/>
-              <a:t>26.10.2011</a:t>
+              <a:t>04.11.2011</a:t>
             </a:fld>
             <a:endParaRPr lang="ru-RU"/>
           </a:p>
@@ -2193,7 +2196,7 @@
             <a:fld id="{0563D008-AB0E-4783-9166-0BE71FE267ED}" type="datetimeFigureOut">
               <a:rPr lang="ru-RU" smtClean="0"/>
               <a:pPr/>
-              <a:t>26.10.2011</a:t>
+              <a:t>04.11.2011</a:t>
             </a:fld>
             <a:endParaRPr lang="ru-RU"/>
           </a:p>
@@ -2308,7 +2311,7 @@
             <a:fld id="{0563D008-AB0E-4783-9166-0BE71FE267ED}" type="datetimeFigureOut">
               <a:rPr lang="ru-RU" smtClean="0"/>
               <a:pPr/>
-              <a:t>26.10.2011</a:t>
+              <a:t>04.11.2011</a:t>
             </a:fld>
             <a:endParaRPr lang="ru-RU"/>
           </a:p>
@@ -2400,7 +2403,7 @@
             <a:fld id="{0563D008-AB0E-4783-9166-0BE71FE267ED}" type="datetimeFigureOut">
               <a:rPr lang="ru-RU" smtClean="0"/>
               <a:pPr/>
-              <a:t>26.10.2011</a:t>
+              <a:t>04.11.2011</a:t>
             </a:fld>
             <a:endParaRPr lang="ru-RU"/>
           </a:p>
@@ -2674,7 +2677,7 @@
             <a:fld id="{0563D008-AB0E-4783-9166-0BE71FE267ED}" type="datetimeFigureOut">
               <a:rPr lang="ru-RU" smtClean="0"/>
               <a:pPr/>
-              <a:t>26.10.2011</a:t>
+              <a:t>04.11.2011</a:t>
             </a:fld>
             <a:endParaRPr lang="ru-RU"/>
           </a:p>
@@ -2924,7 +2927,7 @@
             <a:fld id="{0563D008-AB0E-4783-9166-0BE71FE267ED}" type="datetimeFigureOut">
               <a:rPr lang="ru-RU" smtClean="0"/>
               <a:pPr/>
-              <a:t>26.10.2011</a:t>
+              <a:t>04.11.2011</a:t>
             </a:fld>
             <a:endParaRPr lang="ru-RU"/>
           </a:p>
@@ -3134,7 +3137,7 @@
             <a:fld id="{0563D008-AB0E-4783-9166-0BE71FE267ED}" type="datetimeFigureOut">
               <a:rPr lang="ru-RU" smtClean="0"/>
               <a:pPr/>
-              <a:t>26.10.2011</a:t>
+              <a:t>04.11.2011</a:t>
             </a:fld>
             <a:endParaRPr lang="ru-RU"/>
           </a:p>
@@ -3755,6 +3758,13 @@
   <p:clrMapOvr>
     <a:masterClrMapping/>
   </p:clrMapOvr>
+  <p:timing>
+    <p:tnLst>
+      <p:par>
+        <p:cTn id="1" dur="indefinite" restart="never" nodeType="tmRoot"/>
+      </p:par>
+    </p:tnLst>
+  </p:timing>
 </p:sld>
 </file>
 
@@ -3929,6 +3939,13 @@
   <p:clrMapOvr>
     <a:masterClrMapping/>
   </p:clrMapOvr>
+  <p:timing>
+    <p:tnLst>
+      <p:par>
+        <p:cTn id="1" dur="indefinite" restart="never" nodeType="tmRoot"/>
+      </p:par>
+    </p:tnLst>
+  </p:timing>
 </p:sld>
 </file>
 
@@ -4035,13 +4052,8 @@
             </a:br>
             <a:r>
               <a:rPr lang="en-US" dirty="0" smtClean="0"/>
-              <a:t>Possible Tip </a:t>
-            </a:r>
-            <a:r>
-              <a:rPr lang="en-US" dirty="0" smtClean="0"/>
-              <a:t>Extensions (PTE)</a:t>
-            </a:r>
-            <a:endParaRPr lang="en-US" dirty="0" smtClean="0"/>
+              <a:t>Possible Tip Extensions (PTE)</a:t>
+            </a:r>
           </a:p>
         </p:txBody>
       </p:sp>
@@ -4114,6 +4126,13 @@
   <p:clrMapOvr>
     <a:masterClrMapping/>
   </p:clrMapOvr>
+  <p:timing>
+    <p:tnLst>
+      <p:par>
+        <p:cTn id="1" dur="indefinite" restart="never" nodeType="tmRoot"/>
+      </p:par>
+    </p:tnLst>
+  </p:timing>
 </p:sld>
 </file>
 
@@ -4255,6 +4274,13 @@
   <p:clrMapOvr>
     <a:masterClrMapping/>
   </p:clrMapOvr>
+  <p:timing>
+    <p:tnLst>
+      <p:par>
+        <p:cTn id="1" dur="indefinite" restart="never" nodeType="tmRoot"/>
+      </p:par>
+    </p:tnLst>
+  </p:timing>
 </p:sld>
 </file>
 
@@ -4346,6 +4372,13 @@
   <p:clrMapOvr>
     <a:masterClrMapping/>
   </p:clrMapOvr>
+  <p:timing>
+    <p:tnLst>
+      <p:par>
+        <p:cTn id="1" dur="indefinite" restart="never" nodeType="tmRoot"/>
+      </p:par>
+    </p:tnLst>
+  </p:timing>
 </p:sld>
 </file>
 
@@ -4474,6 +4507,13 @@
   <p:clrMapOvr>
     <a:masterClrMapping/>
   </p:clrMapOvr>
+  <p:timing>
+    <p:tnLst>
+      <p:par>
+        <p:cTn id="1" dur="indefinite" restart="never" nodeType="tmRoot"/>
+      </p:par>
+    </p:tnLst>
+  </p:timing>
 </p:sld>
 </file>
 
@@ -5102,6 +5142,13 @@
   <p:clrMapOvr>
     <a:masterClrMapping/>
   </p:clrMapOvr>
+  <p:timing>
+    <p:tnLst>
+      <p:par>
+        <p:cTn id="1" dur="indefinite" restart="never" nodeType="tmRoot"/>
+      </p:par>
+    </p:tnLst>
+  </p:timing>
 </p:sld>
 </file>
 
@@ -5211,6 +5258,13 @@
   <p:clrMapOvr>
     <a:masterClrMapping/>
   </p:clrMapOvr>
+  <p:timing>
+    <p:tnLst>
+      <p:par>
+        <p:cTn id="1" dur="indefinite" restart="never" nodeType="tmRoot"/>
+      </p:par>
+    </p:tnLst>
+  </p:timing>
 </p:sld>
 </file>
 
@@ -5372,6 +5426,13 @@
   <p:clrMapOvr>
     <a:masterClrMapping/>
   </p:clrMapOvr>
+  <p:timing>
+    <p:tnLst>
+      <p:par>
+        <p:cTn id="1" dur="indefinite" restart="never" nodeType="tmRoot"/>
+      </p:par>
+    </p:tnLst>
+  </p:timing>
 </p:sld>
 </file>
 
@@ -5521,6 +5582,13 @@
   <p:clrMapOvr>
     <a:masterClrMapping/>
   </p:clrMapOvr>
+  <p:timing>
+    <p:tnLst>
+      <p:par>
+        <p:cTn id="1" dur="indefinite" restart="never" nodeType="tmRoot"/>
+      </p:par>
+    </p:tnLst>
+  </p:timing>
 </p:sld>
 </file>
 
@@ -5678,6 +5746,13 @@
   <p:clrMapOvr>
     <a:masterClrMapping/>
   </p:clrMapOvr>
+  <p:timing>
+    <p:tnLst>
+      <p:par>
+        <p:cTn id="1" dur="indefinite" restart="never" nodeType="tmRoot"/>
+      </p:par>
+    </p:tnLst>
+  </p:timing>
 </p:sld>
 </file>
 
@@ -5844,6 +5919,13 @@
   <p:clrMapOvr>
     <a:masterClrMapping/>
   </p:clrMapOvr>
+  <p:timing>
+    <p:tnLst>
+      <p:par>
+        <p:cTn id="1" dur="indefinite" restart="never" nodeType="tmRoot"/>
+      </p:par>
+    </p:tnLst>
+  </p:timing>
 </p:sld>
 </file>
 
@@ -5910,11 +5992,19 @@
           <a:p>
             <a:r>
               <a:rPr lang="en-US" dirty="0" smtClean="0"/>
-              <a:t>Select hash function </a:t>
+              <a:t>Select </a:t>
+            </a:r>
+            <a:r>
+              <a:rPr lang="en-US" dirty="0" smtClean="0"/>
+              <a:t>luck </a:t>
+            </a:r>
+            <a:r>
+              <a:rPr lang="en-US" dirty="0" smtClean="0"/>
+              <a:t>function </a:t>
             </a:r>
             <a:r>
               <a:rPr lang="en-US" i="1" dirty="0" smtClean="0"/>
-              <a:t>h</a:t>
+              <a:t>L</a:t>
             </a:r>
             <a:r>
               <a:rPr lang="en-US" dirty="0" smtClean="0"/>
@@ -5930,7 +6020,7 @@
             </a:r>
             <a:r>
               <a:rPr lang="en-US" i="1" dirty="0" smtClean="0"/>
-              <a:t>h</a:t>
+              <a:t>L</a:t>
             </a:r>
             <a:r>
               <a:rPr lang="en-US" dirty="0" smtClean="0"/>
@@ -5946,7 +6036,7 @@
             </a:r>
             <a:r>
               <a:rPr lang="en-US" i="1" dirty="0" smtClean="0"/>
-              <a:t>h</a:t>
+              <a:t>L</a:t>
             </a:r>
             <a:r>
               <a:rPr lang="en-US" dirty="0" smtClean="0"/>
@@ -5968,7 +6058,7 @@
           <a:p>
             <a:r>
               <a:rPr lang="en-US" i="1" dirty="0" smtClean="0"/>
-              <a:t>h</a:t>
+              <a:t>L</a:t>
             </a:r>
             <a:r>
               <a:rPr lang="en-US" dirty="0" smtClean="0"/>
@@ -6037,7 +6127,7 @@
             </a:r>
             <a:r>
               <a:rPr lang="en-US" i="1" dirty="0" smtClean="0"/>
-              <a:t>h</a:t>
+              <a:t>L</a:t>
             </a:r>
             <a:r>
               <a:rPr lang="en-US" dirty="0" smtClean="0"/>
@@ -6108,6 +6198,13 @@
   <p:clrMapOvr>
     <a:masterClrMapping/>
   </p:clrMapOvr>
+  <p:timing>
+    <p:tnLst>
+      <p:par>
+        <p:cTn id="1" dur="indefinite" restart="never" nodeType="tmRoot"/>
+      </p:par>
+    </p:tnLst>
+  </p:timing>
 </p:sld>
 </file>
 
@@ -6270,6 +6367,13 @@
   <p:clrMapOvr>
     <a:masterClrMapping/>
   </p:clrMapOvr>
+  <p:timing>
+    <p:tnLst>
+      <p:par>
+        <p:cTn id="1" dur="indefinite" restart="never" nodeType="tmRoot"/>
+      </p:par>
+    </p:tnLst>
+  </p:timing>
 </p:sld>
 </file>
 
@@ -6357,7 +6461,7 @@
             </a:r>
             <a:r>
               <a:rPr lang="en-US" i="1" dirty="0" smtClean="0"/>
-              <a:t>h</a:t>
+              <a:t>L</a:t>
             </a:r>
             <a:r>
               <a:rPr lang="en-US" dirty="0" smtClean="0"/>
@@ -6436,7 +6540,7 @@
             </a:r>
             <a:r>
               <a:rPr lang="en-US" i="1" dirty="0" smtClean="0"/>
-              <a:t>h</a:t>
+              <a:t>L</a:t>
             </a:r>
             <a:r>
               <a:rPr lang="en-US" dirty="0" smtClean="0"/>
@@ -6525,7 +6629,7 @@
             </a:r>
             <a:r>
               <a:rPr lang="en-US" i="1" dirty="0" smtClean="0"/>
-              <a:t>h</a:t>
+              <a:t>L</a:t>
             </a:r>
             <a:r>
               <a:rPr lang="en-US" dirty="0" smtClean="0"/>
@@ -6548,6 +6652,13 @@
   <p:clrMapOvr>
     <a:masterClrMapping/>
   </p:clrMapOvr>
+  <p:timing>
+    <p:tnLst>
+      <p:par>
+        <p:cTn id="1" dur="indefinite" restart="never" nodeType="tmRoot"/>
+      </p:par>
+    </p:tnLst>
+  </p:timing>
 </p:sld>
 </file>
 
@@ -6711,6 +6822,13 @@
   <p:clrMapOvr>
     <a:masterClrMapping/>
   </p:clrMapOvr>
+  <p:timing>
+    <p:tnLst>
+      <p:par>
+        <p:cTn id="1" dur="indefinite" restart="never" nodeType="tmRoot"/>
+      </p:par>
+    </p:tnLst>
+  </p:timing>
 </p:sld>
 </file>
 
